--- a/doc/logL.pptx
+++ b/doc/logL.pptx
@@ -178,7 +178,7 @@
 <file path=ppt/revisionInfo.xml><?xml version="1.0" encoding="utf-8"?>
 <p1510:revInfo xmlns:a="http://schemas.openxmlformats.org/drawingml/2006/main" xmlns:r="http://schemas.openxmlformats.org/officeDocument/2006/relationships" xmlns:p1510="http://schemas.microsoft.com/office/powerpoint/2015/10/main">
   <p1510:revLst>
-    <p1510:client id="{FCF9CF18-023B-4C17-8211-608728B9D93F}" v="16" dt="2024-11-15T21:42:12.505"/>
+    <p1510:client id="{EC4DB3F6-BCA5-4773-9C50-3A41DA77D145}" v="62" dt="2025-05-01T08:16:31.663"/>
   </p1510:revLst>
 </p1510:revInfo>
 </file>
@@ -198,16 +198,108 @@
           <pc:docMk/>
           <pc:sldMk cId="3864109570" sldId="877"/>
         </pc:sldMkLst>
+      </pc:sldChg>
+      <pc:sldChg chg="modSp">
+        <pc:chgData name="Øyvind Wiig Petersen" userId="8db00c4c-acc5-4dea-8516-ccf730572e42" providerId="ADAL" clId="{FCF9CF18-023B-4C17-8211-608728B9D93F}" dt="2024-11-15T21:28:56.826" v="15"/>
+        <pc:sldMkLst>
+          <pc:docMk/>
+          <pc:sldMk cId="2564342563" sldId="878"/>
+        </pc:sldMkLst>
+      </pc:sldChg>
+      <pc:sldChg chg="addSp delSp modSp mod">
+        <pc:chgData name="Øyvind Wiig Petersen" userId="8db00c4c-acc5-4dea-8516-ccf730572e42" providerId="ADAL" clId="{FCF9CF18-023B-4C17-8211-608728B9D93F}" dt="2024-11-15T21:42:12.505" v="16"/>
+        <pc:sldMkLst>
+          <pc:docMk/>
+          <pc:sldMk cId="1088200178" sldId="879"/>
+        </pc:sldMkLst>
+      </pc:sldChg>
+    </pc:docChg>
+  </pc:docChgLst>
+  <pc:docChgLst>
+    <pc:chgData name="Øyvind Wiig Petersen" userId="8db00c4c-acc5-4dea-8516-ccf730572e42" providerId="ADAL" clId="{EC4DB3F6-BCA5-4773-9C50-3A41DA77D145}"/>
+    <pc:docChg chg="undo custSel addSld delSld modSld modSection">
+      <pc:chgData name="Øyvind Wiig Petersen" userId="8db00c4c-acc5-4dea-8516-ccf730572e42" providerId="ADAL" clId="{EC4DB3F6-BCA5-4773-9C50-3A41DA77D145}" dt="2025-05-07T20:30:50.586" v="580" actId="478"/>
+      <pc:docMkLst>
+        <pc:docMk/>
+      </pc:docMkLst>
+      <pc:sldChg chg="modSp mod">
+        <pc:chgData name="Øyvind Wiig Petersen" userId="8db00c4c-acc5-4dea-8516-ccf730572e42" providerId="ADAL" clId="{EC4DB3F6-BCA5-4773-9C50-3A41DA77D145}" dt="2025-05-02T06:12:54.269" v="578" actId="20577"/>
+        <pc:sldMkLst>
+          <pc:docMk/>
+          <pc:sldMk cId="3700282249" sldId="840"/>
+        </pc:sldMkLst>
+        <pc:spChg chg="mod">
+          <ac:chgData name="Øyvind Wiig Petersen" userId="8db00c4c-acc5-4dea-8516-ccf730572e42" providerId="ADAL" clId="{EC4DB3F6-BCA5-4773-9C50-3A41DA77D145}" dt="2025-05-02T06:12:54.269" v="578" actId="20577"/>
+          <ac:spMkLst>
+            <pc:docMk/>
+            <pc:sldMk cId="3700282249" sldId="840"/>
+            <ac:spMk id="13" creationId="{348DDC63-D03F-4E4B-B5C0-63C3F1A3BC59}"/>
+          </ac:spMkLst>
+        </pc:spChg>
+      </pc:sldChg>
+      <pc:sldChg chg="modSp mod">
+        <pc:chgData name="Øyvind Wiig Petersen" userId="8db00c4c-acc5-4dea-8516-ccf730572e42" providerId="ADAL" clId="{EC4DB3F6-BCA5-4773-9C50-3A41DA77D145}" dt="2025-05-01T06:32:51.941" v="142" actId="1035"/>
+        <pc:sldMkLst>
+          <pc:docMk/>
+          <pc:sldMk cId="2078646983" sldId="873"/>
+        </pc:sldMkLst>
         <pc:graphicFrameChg chg="mod">
-          <ac:chgData name="Øyvind Wiig Petersen" userId="8db00c4c-acc5-4dea-8516-ccf730572e42" providerId="ADAL" clId="{FCF9CF18-023B-4C17-8211-608728B9D93F}" dt="2024-11-15T14:37:48.796" v="10"/>
+          <ac:chgData name="Øyvind Wiig Petersen" userId="8db00c4c-acc5-4dea-8516-ccf730572e42" providerId="ADAL" clId="{EC4DB3F6-BCA5-4773-9C50-3A41DA77D145}" dt="2025-05-01T06:32:51.941" v="142" actId="1035"/>
           <ac:graphicFrameMkLst>
             <pc:docMk/>
-            <pc:sldMk cId="3864109570" sldId="877"/>
+            <pc:sldMk cId="2078646983" sldId="873"/>
             <ac:graphicFrameMk id="4" creationId="{FE417494-8B7B-1EB4-7017-CCB931059DE9}"/>
           </ac:graphicFrameMkLst>
         </pc:graphicFrameChg>
         <pc:graphicFrameChg chg="mod">
-          <ac:chgData name="Øyvind Wiig Petersen" userId="8db00c4c-acc5-4dea-8516-ccf730572e42" providerId="ADAL" clId="{FCF9CF18-023B-4C17-8211-608728B9D93F}" dt="2024-11-15T14:38:10.658" v="13"/>
+          <ac:chgData name="Øyvind Wiig Petersen" userId="8db00c4c-acc5-4dea-8516-ccf730572e42" providerId="ADAL" clId="{EC4DB3F6-BCA5-4773-9C50-3A41DA77D145}" dt="2025-05-01T06:32:51.941" v="142" actId="1035"/>
+          <ac:graphicFrameMkLst>
+            <pc:docMk/>
+            <pc:sldMk cId="2078646983" sldId="873"/>
+            <ac:graphicFrameMk id="12" creationId="{7812B207-7BF7-ED63-6790-2EE9DEE31856}"/>
+          </ac:graphicFrameMkLst>
+        </pc:graphicFrameChg>
+        <pc:graphicFrameChg chg="mod">
+          <ac:chgData name="Øyvind Wiig Petersen" userId="8db00c4c-acc5-4dea-8516-ccf730572e42" providerId="ADAL" clId="{EC4DB3F6-BCA5-4773-9C50-3A41DA77D145}" dt="2025-05-01T06:32:51.941" v="142" actId="1035"/>
+          <ac:graphicFrameMkLst>
+            <pc:docMk/>
+            <pc:sldMk cId="2078646983" sldId="873"/>
+            <ac:graphicFrameMk id="15" creationId="{535B4E99-54C3-D752-2766-3B41CBC6A903}"/>
+          </ac:graphicFrameMkLst>
+        </pc:graphicFrameChg>
+      </pc:sldChg>
+      <pc:sldChg chg="addSp delSp modSp mod">
+        <pc:chgData name="Øyvind Wiig Petersen" userId="8db00c4c-acc5-4dea-8516-ccf730572e42" providerId="ADAL" clId="{EC4DB3F6-BCA5-4773-9C50-3A41DA77D145}" dt="2025-05-07T20:30:50.586" v="580" actId="478"/>
+        <pc:sldMkLst>
+          <pc:docMk/>
+          <pc:sldMk cId="3864109570" sldId="877"/>
+        </pc:sldMkLst>
+        <pc:spChg chg="mod">
+          <ac:chgData name="Øyvind Wiig Petersen" userId="8db00c4c-acc5-4dea-8516-ccf730572e42" providerId="ADAL" clId="{EC4DB3F6-BCA5-4773-9C50-3A41DA77D145}" dt="2025-05-01T06:49:09.400" v="370" actId="1037"/>
+          <ac:spMkLst>
+            <pc:docMk/>
+            <pc:sldMk cId="3864109570" sldId="877"/>
+            <ac:spMk id="2" creationId="{3E6E3390-0BB3-A5B4-964F-2D56236F75C3}"/>
+          </ac:spMkLst>
+        </pc:spChg>
+        <pc:spChg chg="mod">
+          <ac:chgData name="Øyvind Wiig Petersen" userId="8db00c4c-acc5-4dea-8516-ccf730572e42" providerId="ADAL" clId="{EC4DB3F6-BCA5-4773-9C50-3A41DA77D145}" dt="2025-05-01T06:24:19.510" v="26" actId="20577"/>
+          <ac:spMkLst>
+            <pc:docMk/>
+            <pc:sldMk cId="3864109570" sldId="877"/>
+            <ac:spMk id="8" creationId="{BABDE0BB-2FD3-F152-9568-225334E83788}"/>
+          </ac:spMkLst>
+        </pc:spChg>
+        <pc:spChg chg="mod">
+          <ac:chgData name="Øyvind Wiig Petersen" userId="8db00c4c-acc5-4dea-8516-ccf730572e42" providerId="ADAL" clId="{EC4DB3F6-BCA5-4773-9C50-3A41DA77D145}" dt="2025-05-01T06:49:18.782" v="381" actId="1035"/>
+          <ac:spMkLst>
+            <pc:docMk/>
+            <pc:sldMk cId="3864109570" sldId="877"/>
+            <ac:spMk id="11" creationId="{F4CD9D68-45E6-47BF-FB5E-FBD69C856489}"/>
+          </ac:spMkLst>
+        </pc:spChg>
+        <pc:graphicFrameChg chg="mod">
+          <ac:chgData name="Øyvind Wiig Petersen" userId="8db00c4c-acc5-4dea-8516-ccf730572e42" providerId="ADAL" clId="{EC4DB3F6-BCA5-4773-9C50-3A41DA77D145}" dt="2025-05-01T06:49:13.951" v="375" actId="1035"/>
           <ac:graphicFrameMkLst>
             <pc:docMk/>
             <pc:sldMk cId="3864109570" sldId="877"/>
@@ -215,7 +307,7 @@
           </ac:graphicFrameMkLst>
         </pc:graphicFrameChg>
         <pc:graphicFrameChg chg="mod">
-          <ac:chgData name="Øyvind Wiig Petersen" userId="8db00c4c-acc5-4dea-8516-ccf730572e42" providerId="ADAL" clId="{FCF9CF18-023B-4C17-8211-608728B9D93F}" dt="2024-11-15T14:37:56.016" v="11"/>
+          <ac:chgData name="Øyvind Wiig Petersen" userId="8db00c4c-acc5-4dea-8516-ccf730572e42" providerId="ADAL" clId="{EC4DB3F6-BCA5-4773-9C50-3A41DA77D145}" dt="2025-05-01T06:49:04.768" v="366" actId="1035"/>
           <ac:graphicFrameMkLst>
             <pc:docMk/>
             <pc:sldMk cId="3864109570" sldId="877"/>
@@ -223,7 +315,7 @@
           </ac:graphicFrameMkLst>
         </pc:graphicFrameChg>
         <pc:graphicFrameChg chg="mod">
-          <ac:chgData name="Øyvind Wiig Petersen" userId="8db00c4c-acc5-4dea-8516-ccf730572e42" providerId="ADAL" clId="{FCF9CF18-023B-4C17-8211-608728B9D93F}" dt="2024-11-15T14:38:04.390" v="12"/>
+          <ac:chgData name="Øyvind Wiig Petersen" userId="8db00c4c-acc5-4dea-8516-ccf730572e42" providerId="ADAL" clId="{EC4DB3F6-BCA5-4773-9C50-3A41DA77D145}" dt="2025-05-01T06:49:13.951" v="375" actId="1035"/>
           <ac:graphicFrameMkLst>
             <pc:docMk/>
             <pc:sldMk cId="3864109570" sldId="877"/>
@@ -231,69 +323,93 @@
           </ac:graphicFrameMkLst>
         </pc:graphicFrameChg>
         <pc:graphicFrameChg chg="mod">
-          <ac:chgData name="Øyvind Wiig Petersen" userId="8db00c4c-acc5-4dea-8516-ccf730572e42" providerId="ADAL" clId="{FCF9CF18-023B-4C17-8211-608728B9D93F}" dt="2024-11-15T14:38:27.396" v="14"/>
+          <ac:chgData name="Øyvind Wiig Petersen" userId="8db00c4c-acc5-4dea-8516-ccf730572e42" providerId="ADAL" clId="{EC4DB3F6-BCA5-4773-9C50-3A41DA77D145}" dt="2025-05-01T08:16:40.567" v="549" actId="1036"/>
           <ac:graphicFrameMkLst>
             <pc:docMk/>
             <pc:sldMk cId="3864109570" sldId="877"/>
             <ac:graphicFrameMk id="10" creationId="{2318BA5C-5607-626E-F892-E854A58D5460}"/>
           </ac:graphicFrameMkLst>
         </pc:graphicFrameChg>
+        <pc:graphicFrameChg chg="add del mod">
+          <ac:chgData name="Øyvind Wiig Petersen" userId="8db00c4c-acc5-4dea-8516-ccf730572e42" providerId="ADAL" clId="{EC4DB3F6-BCA5-4773-9C50-3A41DA77D145}" dt="2025-05-07T20:30:50.586" v="580" actId="478"/>
+          <ac:graphicFrameMkLst>
+            <pc:docMk/>
+            <pc:sldMk cId="3864109570" sldId="877"/>
+            <ac:graphicFrameMk id="12" creationId="{0BD2B742-8778-61DD-DBC5-723F8ED007FB}"/>
+          </ac:graphicFrameMkLst>
+        </pc:graphicFrameChg>
       </pc:sldChg>
-      <pc:sldChg chg="modSp">
-        <pc:chgData name="Øyvind Wiig Petersen" userId="8db00c4c-acc5-4dea-8516-ccf730572e42" providerId="ADAL" clId="{FCF9CF18-023B-4C17-8211-608728B9D93F}" dt="2024-11-15T21:28:56.826" v="15"/>
+      <pc:sldChg chg="addSp delSp modSp mod">
+        <pc:chgData name="Øyvind Wiig Petersen" userId="8db00c4c-acc5-4dea-8516-ccf730572e42" providerId="ADAL" clId="{EC4DB3F6-BCA5-4773-9C50-3A41DA77D145}" dt="2025-05-01T06:51:12.164" v="450" actId="20577"/>
         <pc:sldMkLst>
           <pc:docMk/>
           <pc:sldMk cId="2564342563" sldId="878"/>
         </pc:sldMkLst>
-        <pc:graphicFrameChg chg="mod">
-          <ac:chgData name="Øyvind Wiig Petersen" userId="8db00c4c-acc5-4dea-8516-ccf730572e42" providerId="ADAL" clId="{FCF9CF18-023B-4C17-8211-608728B9D93F}" dt="2024-11-15T14:32:50.935" v="0"/>
-          <ac:graphicFrameMkLst>
+        <pc:spChg chg="mod">
+          <ac:chgData name="Øyvind Wiig Petersen" userId="8db00c4c-acc5-4dea-8516-ccf730572e42" providerId="ADAL" clId="{EC4DB3F6-BCA5-4773-9C50-3A41DA77D145}" dt="2025-05-01T06:50:18.508" v="426" actId="1036"/>
+          <ac:spMkLst>
             <pc:docMk/>
             <pc:sldMk cId="2564342563" sldId="878"/>
-            <ac:graphicFrameMk id="4" creationId="{FE417494-8B7B-1EB4-7017-CCB931059DE9}"/>
-          </ac:graphicFrameMkLst>
-        </pc:graphicFrameChg>
+            <ac:spMk id="8" creationId="{0874CEFD-F21D-2D20-B987-E6A52594CB7C}"/>
+          </ac:spMkLst>
+        </pc:spChg>
+        <pc:spChg chg="add mod">
+          <ac:chgData name="Øyvind Wiig Petersen" userId="8db00c4c-acc5-4dea-8516-ccf730572e42" providerId="ADAL" clId="{EC4DB3F6-BCA5-4773-9C50-3A41DA77D145}" dt="2025-05-01T06:51:12.164" v="450" actId="20577"/>
+          <ac:spMkLst>
+            <pc:docMk/>
+            <pc:sldMk cId="2564342563" sldId="878"/>
+            <ac:spMk id="10" creationId="{62C719F9-0999-2893-3968-C1564E2C6C13}"/>
+          </ac:spMkLst>
+        </pc:spChg>
         <pc:graphicFrameChg chg="mod">
-          <ac:chgData name="Øyvind Wiig Petersen" userId="8db00c4c-acc5-4dea-8516-ccf730572e42" providerId="ADAL" clId="{FCF9CF18-023B-4C17-8211-608728B9D93F}" dt="2024-11-15T21:28:56.826" v="15"/>
+          <ac:chgData name="Øyvind Wiig Petersen" userId="8db00c4c-acc5-4dea-8516-ccf730572e42" providerId="ADAL" clId="{EC4DB3F6-BCA5-4773-9C50-3A41DA77D145}" dt="2025-05-01T06:50:18.508" v="426" actId="1036"/>
           <ac:graphicFrameMkLst>
             <pc:docMk/>
             <pc:sldMk cId="2564342563" sldId="878"/>
             <ac:graphicFrameMk id="5" creationId="{ECF6BFE7-C184-210A-A3C6-D5E4FF3EB33B}"/>
           </ac:graphicFrameMkLst>
         </pc:graphicFrameChg>
-        <pc:graphicFrameChg chg="mod">
-          <ac:chgData name="Øyvind Wiig Petersen" userId="8db00c4c-acc5-4dea-8516-ccf730572e42" providerId="ADAL" clId="{FCF9CF18-023B-4C17-8211-608728B9D93F}" dt="2024-11-15T14:35:09.188" v="1"/>
+        <pc:graphicFrameChg chg="add mod">
+          <ac:chgData name="Øyvind Wiig Petersen" userId="8db00c4c-acc5-4dea-8516-ccf730572e42" providerId="ADAL" clId="{EC4DB3F6-BCA5-4773-9C50-3A41DA77D145}" dt="2025-05-01T06:51:05.708" v="441" actId="1036"/>
           <ac:graphicFrameMkLst>
             <pc:docMk/>
             <pc:sldMk cId="2564342563" sldId="878"/>
-            <ac:graphicFrameMk id="15" creationId="{535B4E99-54C3-D752-2766-3B41CBC6A903}"/>
+            <ac:graphicFrameMk id="9" creationId="{4DEAD699-3AEB-A035-80E6-D6743DD484A6}"/>
           </ac:graphicFrameMkLst>
         </pc:graphicFrameChg>
       </pc:sldChg>
-      <pc:sldChg chg="addSp delSp modSp mod">
-        <pc:chgData name="Øyvind Wiig Petersen" userId="8db00c4c-acc5-4dea-8516-ccf730572e42" providerId="ADAL" clId="{FCF9CF18-023B-4C17-8211-608728B9D93F}" dt="2024-11-15T21:42:12.505" v="16"/>
+      <pc:sldChg chg="modSp mod">
+        <pc:chgData name="Øyvind Wiig Petersen" userId="8db00c4c-acc5-4dea-8516-ccf730572e42" providerId="ADAL" clId="{EC4DB3F6-BCA5-4773-9C50-3A41DA77D145}" dt="2025-05-01T08:05:06.303" v="537"/>
         <pc:sldMkLst>
           <pc:docMk/>
           <pc:sldMk cId="1088200178" sldId="879"/>
         </pc:sldMkLst>
-        <pc:spChg chg="add del">
-          <ac:chgData name="Øyvind Wiig Petersen" userId="8db00c4c-acc5-4dea-8516-ccf730572e42" providerId="ADAL" clId="{FCF9CF18-023B-4C17-8211-608728B9D93F}" dt="2024-11-15T14:37:06.966" v="7" actId="478"/>
+        <pc:spChg chg="mod">
+          <ac:chgData name="Øyvind Wiig Petersen" userId="8db00c4c-acc5-4dea-8516-ccf730572e42" providerId="ADAL" clId="{EC4DB3F6-BCA5-4773-9C50-3A41DA77D145}" dt="2025-05-01T06:51:15.392" v="452"/>
           <ac:spMkLst>
             <pc:docMk/>
             <pc:sldMk cId="1088200178" sldId="879"/>
-            <ac:spMk id="12" creationId="{26004698-A472-4A65-C247-87C5DB7A683C}"/>
+            <ac:spMk id="2" creationId="{D7636C62-70C6-743F-3011-8B084DB5A09B}"/>
+          </ac:spMkLst>
+        </pc:spChg>
+        <pc:spChg chg="mod">
+          <ac:chgData name="Øyvind Wiig Petersen" userId="8db00c4c-acc5-4dea-8516-ccf730572e42" providerId="ADAL" clId="{EC4DB3F6-BCA5-4773-9C50-3A41DA77D145}" dt="2025-05-01T06:52:04.562" v="535" actId="20577"/>
+          <ac:spMkLst>
+            <pc:docMk/>
+            <pc:sldMk cId="1088200178" sldId="879"/>
+            <ac:spMk id="4" creationId="{AAE6BE75-3AEC-B41A-4E5B-71D20EFBAEC5}"/>
+          </ac:spMkLst>
+        </pc:spChg>
+        <pc:spChg chg="mod">
+          <ac:chgData name="Øyvind Wiig Petersen" userId="8db00c4c-acc5-4dea-8516-ccf730572e42" providerId="ADAL" clId="{EC4DB3F6-BCA5-4773-9C50-3A41DA77D145}" dt="2025-05-01T06:52:00.682" v="523" actId="20577"/>
+          <ac:spMkLst>
+            <pc:docMk/>
+            <pc:sldMk cId="1088200178" sldId="879"/>
+            <ac:spMk id="10" creationId="{993497EB-E5CA-3D3C-5CAF-CFAC07B16C52}"/>
           </ac:spMkLst>
         </pc:spChg>
         <pc:graphicFrameChg chg="mod">
-          <ac:chgData name="Øyvind Wiig Petersen" userId="8db00c4c-acc5-4dea-8516-ccf730572e42" providerId="ADAL" clId="{FCF9CF18-023B-4C17-8211-608728B9D93F}" dt="2024-11-15T14:36:17.397" v="3"/>
-          <ac:graphicFrameMkLst>
-            <pc:docMk/>
-            <pc:sldMk cId="1088200178" sldId="879"/>
-            <ac:graphicFrameMk id="5" creationId="{ECF6BFE7-C184-210A-A3C6-D5E4FF3EB33B}"/>
-          </ac:graphicFrameMkLst>
-        </pc:graphicFrameChg>
-        <pc:graphicFrameChg chg="mod">
-          <ac:chgData name="Øyvind Wiig Petersen" userId="8db00c4c-acc5-4dea-8516-ccf730572e42" providerId="ADAL" clId="{FCF9CF18-023B-4C17-8211-608728B9D93F}" dt="2024-11-15T21:42:12.505" v="16"/>
+          <ac:chgData name="Øyvind Wiig Petersen" userId="8db00c4c-acc5-4dea-8516-ccf730572e42" providerId="ADAL" clId="{EC4DB3F6-BCA5-4773-9C50-3A41DA77D145}" dt="2025-05-01T08:05:06.303" v="537"/>
           <ac:graphicFrameMkLst>
             <pc:docMk/>
             <pc:sldMk cId="1088200178" sldId="879"/>
@@ -301,7 +417,7 @@
           </ac:graphicFrameMkLst>
         </pc:graphicFrameChg>
         <pc:graphicFrameChg chg="mod">
-          <ac:chgData name="Øyvind Wiig Petersen" userId="8db00c4c-acc5-4dea-8516-ccf730572e42" providerId="ADAL" clId="{FCF9CF18-023B-4C17-8211-608728B9D93F}" dt="2024-11-15T14:37:08.298" v="8"/>
+          <ac:chgData name="Øyvind Wiig Petersen" userId="8db00c4c-acc5-4dea-8516-ccf730572e42" providerId="ADAL" clId="{EC4DB3F6-BCA5-4773-9C50-3A41DA77D145}" dt="2025-05-01T06:51:48.155" v="494"/>
           <ac:graphicFrameMkLst>
             <pc:docMk/>
             <pc:sldMk cId="1088200178" sldId="879"/>
@@ -309,13 +425,20 @@
           </ac:graphicFrameMkLst>
         </pc:graphicFrameChg>
         <pc:graphicFrameChg chg="mod">
-          <ac:chgData name="Øyvind Wiig Petersen" userId="8db00c4c-acc5-4dea-8516-ccf730572e42" providerId="ADAL" clId="{FCF9CF18-023B-4C17-8211-608728B9D93F}" dt="2024-11-15T14:37:12.975" v="9"/>
+          <ac:chgData name="Øyvind Wiig Petersen" userId="8db00c4c-acc5-4dea-8516-ccf730572e42" providerId="ADAL" clId="{EC4DB3F6-BCA5-4773-9C50-3A41DA77D145}" dt="2025-05-01T06:51:47.220" v="493" actId="1036"/>
           <ac:graphicFrameMkLst>
             <pc:docMk/>
             <pc:sldMk cId="1088200178" sldId="879"/>
             <ac:graphicFrameMk id="9" creationId="{BD56D697-39E4-59B2-87D2-41FEFFE8FC97}"/>
           </ac:graphicFrameMkLst>
         </pc:graphicFrameChg>
+      </pc:sldChg>
+      <pc:sldChg chg="addSp modSp new del mod">
+        <pc:chgData name="Øyvind Wiig Petersen" userId="8db00c4c-acc5-4dea-8516-ccf730572e42" providerId="ADAL" clId="{EC4DB3F6-BCA5-4773-9C50-3A41DA77D145}" dt="2025-05-02T06:13:00.333" v="579" actId="2696"/>
+        <pc:sldMkLst>
+          <pc:docMk/>
+          <pc:sldMk cId="3904946379" sldId="880"/>
+        </pc:sldMkLst>
       </pc:sldChg>
     </pc:docChg>
   </pc:docChgLst>
@@ -332,14 +455,6 @@
           <pc:docMk/>
           <pc:sldMk cId="1834186742" sldId="618"/>
         </pc:sldMkLst>
-        <pc:spChg chg="mod">
-          <ac:chgData name="Øyvind Wiig Petersen" userId="8db00c4c-acc5-4dea-8516-ccf730572e42" providerId="ADAL" clId="{7DC68F7A-9BD5-443A-8A17-D3442C2AFE93}" dt="2024-08-15T09:24:03.065" v="1"/>
-          <ac:spMkLst>
-            <pc:docMk/>
-            <pc:sldMk cId="1834186742" sldId="618"/>
-            <ac:spMk id="13" creationId="{348DDC63-D03F-4E4B-B5C0-63C3F1A3BC59}"/>
-          </ac:spMkLst>
-        </pc:spChg>
       </pc:sldChg>
       <pc:sldChg chg="modSp mod">
         <pc:chgData name="Øyvind Wiig Petersen" userId="8db00c4c-acc5-4dea-8516-ccf730572e42" providerId="ADAL" clId="{7DC68F7A-9BD5-443A-8A17-D3442C2AFE93}" dt="2024-08-15T19:10:01.390" v="1711" actId="20577"/>
@@ -347,14 +462,6 @@
           <pc:docMk/>
           <pc:sldMk cId="3700282249" sldId="840"/>
         </pc:sldMkLst>
-        <pc:spChg chg="mod">
-          <ac:chgData name="Øyvind Wiig Petersen" userId="8db00c4c-acc5-4dea-8516-ccf730572e42" providerId="ADAL" clId="{7DC68F7A-9BD5-443A-8A17-D3442C2AFE93}" dt="2024-08-15T19:10:01.390" v="1711" actId="20577"/>
-          <ac:spMkLst>
-            <pc:docMk/>
-            <pc:sldMk cId="3700282249" sldId="840"/>
-            <ac:spMk id="13" creationId="{348DDC63-D03F-4E4B-B5C0-63C3F1A3BC59}"/>
-          </ac:spMkLst>
-        </pc:spChg>
       </pc:sldChg>
       <pc:sldChg chg="del">
         <pc:chgData name="Øyvind Wiig Petersen" userId="8db00c4c-acc5-4dea-8516-ccf730572e42" providerId="ADAL" clId="{7DC68F7A-9BD5-443A-8A17-D3442C2AFE93}" dt="2024-08-15T09:24:15.087" v="2" actId="47"/>
@@ -425,14 +532,6 @@
           <pc:docMk/>
           <pc:sldMk cId="3131362554" sldId="872"/>
         </pc:sldMkLst>
-        <pc:picChg chg="del">
-          <ac:chgData name="Øyvind Wiig Petersen" userId="8db00c4c-acc5-4dea-8516-ccf730572e42" providerId="ADAL" clId="{7DC68F7A-9BD5-443A-8A17-D3442C2AFE93}" dt="2024-08-15T09:25:23.025" v="6" actId="478"/>
-          <ac:picMkLst>
-            <pc:docMk/>
-            <pc:sldMk cId="3131362554" sldId="872"/>
-            <ac:picMk id="7" creationId="{0C02A085-98B6-13A6-0C59-6EB3221C5CA2}"/>
-          </ac:picMkLst>
-        </pc:picChg>
       </pc:sldChg>
       <pc:sldChg chg="addSp delSp modSp new mod">
         <pc:chgData name="Øyvind Wiig Petersen" userId="8db00c4c-acc5-4dea-8516-ccf730572e42" providerId="ADAL" clId="{7DC68F7A-9BD5-443A-8A17-D3442C2AFE93}" dt="2024-08-22T12:28:59.534" v="1717"/>
@@ -440,134 +539,6 @@
           <pc:docMk/>
           <pc:sldMk cId="2078646983" sldId="873"/>
         </pc:sldMkLst>
-        <pc:spChg chg="del">
-          <ac:chgData name="Øyvind Wiig Petersen" userId="8db00c4c-acc5-4dea-8516-ccf730572e42" providerId="ADAL" clId="{7DC68F7A-9BD5-443A-8A17-D3442C2AFE93}" dt="2024-08-15T09:25:38.629" v="12" actId="478"/>
-          <ac:spMkLst>
-            <pc:docMk/>
-            <pc:sldMk cId="2078646983" sldId="873"/>
-            <ac:spMk id="2" creationId="{6061707C-C9DD-E036-5F93-0E6173F3C161}"/>
-          </ac:spMkLst>
-        </pc:spChg>
-        <pc:spChg chg="add mod">
-          <ac:chgData name="Øyvind Wiig Petersen" userId="8db00c4c-acc5-4dea-8516-ccf730572e42" providerId="ADAL" clId="{7DC68F7A-9BD5-443A-8A17-D3442C2AFE93}" dt="2024-08-15T18:49:34.031" v="944" actId="20577"/>
-          <ac:spMkLst>
-            <pc:docMk/>
-            <pc:sldMk cId="2078646983" sldId="873"/>
-            <ac:spMk id="2" creationId="{69D5CF06-583F-0F18-DB9E-95C9C1A38F8F}"/>
-          </ac:spMkLst>
-        </pc:spChg>
-        <pc:spChg chg="mod">
-          <ac:chgData name="Øyvind Wiig Petersen" userId="8db00c4c-acc5-4dea-8516-ccf730572e42" providerId="ADAL" clId="{7DC68F7A-9BD5-443A-8A17-D3442C2AFE93}" dt="2024-08-15T19:09:16.970" v="1652" actId="20577"/>
-          <ac:spMkLst>
-            <pc:docMk/>
-            <pc:sldMk cId="2078646983" sldId="873"/>
-            <ac:spMk id="3" creationId="{A3B31256-F6E2-E6F6-778F-3D9FC51AA021}"/>
-          </ac:spMkLst>
-        </pc:spChg>
-        <pc:spChg chg="add mod">
-          <ac:chgData name="Øyvind Wiig Petersen" userId="8db00c4c-acc5-4dea-8516-ccf730572e42" providerId="ADAL" clId="{7DC68F7A-9BD5-443A-8A17-D3442C2AFE93}" dt="2024-08-15T18:49:50.441" v="956" actId="20577"/>
-          <ac:spMkLst>
-            <pc:docMk/>
-            <pc:sldMk cId="2078646983" sldId="873"/>
-            <ac:spMk id="5" creationId="{DE9F7168-C4AD-CD7F-BFA0-2238F0D1E0E5}"/>
-          </ac:spMkLst>
-        </pc:spChg>
-        <pc:spChg chg="add mod">
-          <ac:chgData name="Øyvind Wiig Petersen" userId="8db00c4c-acc5-4dea-8516-ccf730572e42" providerId="ADAL" clId="{7DC68F7A-9BD5-443A-8A17-D3442C2AFE93}" dt="2024-08-15T18:49:18.662" v="921" actId="1076"/>
-          <ac:spMkLst>
-            <pc:docMk/>
-            <pc:sldMk cId="2078646983" sldId="873"/>
-            <ac:spMk id="7" creationId="{C8E51998-F184-EDB6-8300-3673FD29194C}"/>
-          </ac:spMkLst>
-        </pc:spChg>
-        <pc:spChg chg="add del mod">
-          <ac:chgData name="Øyvind Wiig Petersen" userId="8db00c4c-acc5-4dea-8516-ccf730572e42" providerId="ADAL" clId="{7DC68F7A-9BD5-443A-8A17-D3442C2AFE93}" dt="2024-08-15T11:24:55.982" v="501" actId="478"/>
-          <ac:spMkLst>
-            <pc:docMk/>
-            <pc:sldMk cId="2078646983" sldId="873"/>
-            <ac:spMk id="8" creationId="{BABDE0BB-2FD3-F152-9568-225334E83788}"/>
-          </ac:spMkLst>
-        </pc:spChg>
-        <pc:spChg chg="add del mod">
-          <ac:chgData name="Øyvind Wiig Petersen" userId="8db00c4c-acc5-4dea-8516-ccf730572e42" providerId="ADAL" clId="{7DC68F7A-9BD5-443A-8A17-D3442C2AFE93}" dt="2024-08-15T11:24:57.097" v="502" actId="478"/>
-          <ac:spMkLst>
-            <pc:docMk/>
-            <pc:sldMk cId="2078646983" sldId="873"/>
-            <ac:spMk id="11" creationId="{F4CD9D68-45E6-47BF-FB5E-FBD69C856489}"/>
-          </ac:spMkLst>
-        </pc:spChg>
-        <pc:graphicFrameChg chg="add mod">
-          <ac:chgData name="Øyvind Wiig Petersen" userId="8db00c4c-acc5-4dea-8516-ccf730572e42" providerId="ADAL" clId="{7DC68F7A-9BD5-443A-8A17-D3442C2AFE93}" dt="2024-08-22T12:28:59.534" v="1717"/>
-          <ac:graphicFrameMkLst>
-            <pc:docMk/>
-            <pc:sldMk cId="2078646983" sldId="873"/>
-            <ac:graphicFrameMk id="4" creationId="{FE417494-8B7B-1EB4-7017-CCB931059DE9}"/>
-          </ac:graphicFrameMkLst>
-        </pc:graphicFrameChg>
-        <pc:graphicFrameChg chg="add del mod">
-          <ac:chgData name="Øyvind Wiig Petersen" userId="8db00c4c-acc5-4dea-8516-ccf730572e42" providerId="ADAL" clId="{7DC68F7A-9BD5-443A-8A17-D3442C2AFE93}" dt="2024-08-15T09:33:24.945" v="167" actId="478"/>
-          <ac:graphicFrameMkLst>
-            <pc:docMk/>
-            <pc:sldMk cId="2078646983" sldId="873"/>
-            <ac:graphicFrameMk id="5" creationId="{B3C0239D-70B7-53C4-067B-7BA4F950447C}"/>
-          </ac:graphicFrameMkLst>
-        </pc:graphicFrameChg>
-        <pc:graphicFrameChg chg="add del mod">
-          <ac:chgData name="Øyvind Wiig Petersen" userId="8db00c4c-acc5-4dea-8516-ccf730572e42" providerId="ADAL" clId="{7DC68F7A-9BD5-443A-8A17-D3442C2AFE93}" dt="2024-08-15T12:45:33.194" v="888" actId="478"/>
-          <ac:graphicFrameMkLst>
-            <pc:docMk/>
-            <pc:sldMk cId="2078646983" sldId="873"/>
-            <ac:graphicFrameMk id="6" creationId="{36351421-47A5-7281-9B88-0265B367A539}"/>
-          </ac:graphicFrameMkLst>
-        </pc:graphicFrameChg>
-        <pc:graphicFrameChg chg="add del mod">
-          <ac:chgData name="Øyvind Wiig Petersen" userId="8db00c4c-acc5-4dea-8516-ccf730572e42" providerId="ADAL" clId="{7DC68F7A-9BD5-443A-8A17-D3442C2AFE93}" dt="2024-08-15T12:45:33.194" v="888" actId="478"/>
-          <ac:graphicFrameMkLst>
-            <pc:docMk/>
-            <pc:sldMk cId="2078646983" sldId="873"/>
-            <ac:graphicFrameMk id="9" creationId="{BDE0FBBA-9EF8-F932-1DD9-D5E1D6407E3E}"/>
-          </ac:graphicFrameMkLst>
-        </pc:graphicFrameChg>
-        <pc:graphicFrameChg chg="add del mod">
-          <ac:chgData name="Øyvind Wiig Petersen" userId="8db00c4c-acc5-4dea-8516-ccf730572e42" providerId="ADAL" clId="{7DC68F7A-9BD5-443A-8A17-D3442C2AFE93}" dt="2024-08-15T12:45:33.194" v="888" actId="478"/>
-          <ac:graphicFrameMkLst>
-            <pc:docMk/>
-            <pc:sldMk cId="2078646983" sldId="873"/>
-            <ac:graphicFrameMk id="10" creationId="{2318BA5C-5607-626E-F892-E854A58D5460}"/>
-          </ac:graphicFrameMkLst>
-        </pc:graphicFrameChg>
-        <pc:graphicFrameChg chg="add mod">
-          <ac:chgData name="Øyvind Wiig Petersen" userId="8db00c4c-acc5-4dea-8516-ccf730572e42" providerId="ADAL" clId="{7DC68F7A-9BD5-443A-8A17-D3442C2AFE93}" dt="2024-08-15T18:49:35.863" v="945" actId="1076"/>
-          <ac:graphicFrameMkLst>
-            <pc:docMk/>
-            <pc:sldMk cId="2078646983" sldId="873"/>
-            <ac:graphicFrameMk id="12" creationId="{7812B207-7BF7-ED63-6790-2EE9DEE31856}"/>
-          </ac:graphicFrameMkLst>
-        </pc:graphicFrameChg>
-        <pc:graphicFrameChg chg="add mod">
-          <ac:chgData name="Øyvind Wiig Petersen" userId="8db00c4c-acc5-4dea-8516-ccf730572e42" providerId="ADAL" clId="{7DC68F7A-9BD5-443A-8A17-D3442C2AFE93}" dt="2024-08-15T11:20:04.617" v="446" actId="1076"/>
-          <ac:graphicFrameMkLst>
-            <pc:docMk/>
-            <pc:sldMk cId="2078646983" sldId="873"/>
-            <ac:graphicFrameMk id="13" creationId="{3AF6E4F8-774E-BAB3-7CFB-673077B9D2B1}"/>
-          </ac:graphicFrameMkLst>
-        </pc:graphicFrameChg>
-        <pc:graphicFrameChg chg="add mod">
-          <ac:chgData name="Øyvind Wiig Petersen" userId="8db00c4c-acc5-4dea-8516-ccf730572e42" providerId="ADAL" clId="{7DC68F7A-9BD5-443A-8A17-D3442C2AFE93}" dt="2024-08-15T11:20:09.764" v="451"/>
-          <ac:graphicFrameMkLst>
-            <pc:docMk/>
-            <pc:sldMk cId="2078646983" sldId="873"/>
-            <ac:graphicFrameMk id="14" creationId="{6EFC0A9E-53F6-16BF-FEF7-1F5C79EDB51D}"/>
-          </ac:graphicFrameMkLst>
-        </pc:graphicFrameChg>
-        <pc:graphicFrameChg chg="add mod">
-          <ac:chgData name="Øyvind Wiig Petersen" userId="8db00c4c-acc5-4dea-8516-ccf730572e42" providerId="ADAL" clId="{7DC68F7A-9BD5-443A-8A17-D3442C2AFE93}" dt="2024-08-15T18:49:46.838" v="952" actId="1076"/>
-          <ac:graphicFrameMkLst>
-            <pc:docMk/>
-            <pc:sldMk cId="2078646983" sldId="873"/>
-            <ac:graphicFrameMk id="15" creationId="{535B4E99-54C3-D752-2766-3B41CBC6A903}"/>
-          </ac:graphicFrameMkLst>
-        </pc:graphicFrameChg>
       </pc:sldChg>
       <pc:sldChg chg="del">
         <pc:chgData name="Øyvind Wiig Petersen" userId="8db00c4c-acc5-4dea-8516-ccf730572e42" providerId="ADAL" clId="{7DC68F7A-9BD5-443A-8A17-D3442C2AFE93}" dt="2024-08-15T09:24:15.087" v="2" actId="47"/>
@@ -610,38 +581,6 @@
           <pc:docMk/>
           <pc:sldMk cId="3810693377" sldId="876"/>
         </pc:sldMkLst>
-        <pc:spChg chg="mod">
-          <ac:chgData name="Øyvind Wiig Petersen" userId="8db00c4c-acc5-4dea-8516-ccf730572e42" providerId="ADAL" clId="{7DC68F7A-9BD5-443A-8A17-D3442C2AFE93}" dt="2024-08-15T09:47:17.929" v="388" actId="20577"/>
-          <ac:spMkLst>
-            <pc:docMk/>
-            <pc:sldMk cId="3810693377" sldId="876"/>
-            <ac:spMk id="2" creationId="{AEEEA51A-1977-53ED-9F0B-9529F822EC48}"/>
-          </ac:spMkLst>
-        </pc:spChg>
-        <pc:spChg chg="add mod">
-          <ac:chgData name="Øyvind Wiig Petersen" userId="8db00c4c-acc5-4dea-8516-ccf730572e42" providerId="ADAL" clId="{7DC68F7A-9BD5-443A-8A17-D3442C2AFE93}" dt="2024-08-15T09:47:06.925" v="379" actId="20577"/>
-          <ac:spMkLst>
-            <pc:docMk/>
-            <pc:sldMk cId="3810693377" sldId="876"/>
-            <ac:spMk id="6" creationId="{D5FAE13F-D97D-E035-49D6-3075A901F049}"/>
-          </ac:spMkLst>
-        </pc:spChg>
-        <pc:graphicFrameChg chg="add mod">
-          <ac:chgData name="Øyvind Wiig Petersen" userId="8db00c4c-acc5-4dea-8516-ccf730572e42" providerId="ADAL" clId="{7DC68F7A-9BD5-443A-8A17-D3442C2AFE93}" dt="2024-08-15T09:47:28.686" v="394" actId="1076"/>
-          <ac:graphicFrameMkLst>
-            <pc:docMk/>
-            <pc:sldMk cId="3810693377" sldId="876"/>
-            <ac:graphicFrameMk id="4" creationId="{3E21D73A-946D-0D9A-C506-5C25FACFEFFF}"/>
-          </ac:graphicFrameMkLst>
-        </pc:graphicFrameChg>
-        <pc:graphicFrameChg chg="add mod">
-          <ac:chgData name="Øyvind Wiig Petersen" userId="8db00c4c-acc5-4dea-8516-ccf730572e42" providerId="ADAL" clId="{7DC68F7A-9BD5-443A-8A17-D3442C2AFE93}" dt="2024-08-15T09:47:23.340" v="392"/>
-          <ac:graphicFrameMkLst>
-            <pc:docMk/>
-            <pc:sldMk cId="3810693377" sldId="876"/>
-            <ac:graphicFrameMk id="5" creationId="{A7AF2DB1-705A-746F-179F-DBA52968D250}"/>
-          </ac:graphicFrameMkLst>
-        </pc:graphicFrameChg>
       </pc:sldChg>
       <pc:sldChg chg="del">
         <pc:chgData name="Øyvind Wiig Petersen" userId="8db00c4c-acc5-4dea-8516-ccf730572e42" providerId="ADAL" clId="{7DC68F7A-9BD5-443A-8A17-D3442C2AFE93}" dt="2024-08-15T09:24:15.087" v="2" actId="47"/>
@@ -656,86 +595,6 @@
           <pc:docMk/>
           <pc:sldMk cId="3864109570" sldId="877"/>
         </pc:sldMkLst>
-        <pc:spChg chg="add mod">
-          <ac:chgData name="Øyvind Wiig Petersen" userId="8db00c4c-acc5-4dea-8516-ccf730572e42" providerId="ADAL" clId="{7DC68F7A-9BD5-443A-8A17-D3442C2AFE93}" dt="2024-08-15T18:57:19.575" v="1124" actId="1035"/>
-          <ac:spMkLst>
-            <pc:docMk/>
-            <pc:sldMk cId="3864109570" sldId="877"/>
-            <ac:spMk id="2" creationId="{3E6E3390-0BB3-A5B4-964F-2D56236F75C3}"/>
-          </ac:spMkLst>
-        </pc:spChg>
-        <pc:spChg chg="mod">
-          <ac:chgData name="Øyvind Wiig Petersen" userId="8db00c4c-acc5-4dea-8516-ccf730572e42" providerId="ADAL" clId="{7DC68F7A-9BD5-443A-8A17-D3442C2AFE93}" dt="2024-08-15T19:09:31.821" v="1673" actId="20577"/>
-          <ac:spMkLst>
-            <pc:docMk/>
-            <pc:sldMk cId="3864109570" sldId="877"/>
-            <ac:spMk id="3" creationId="{A3B31256-F6E2-E6F6-778F-3D9FC51AA021}"/>
-          </ac:spMkLst>
-        </pc:spChg>
-        <pc:spChg chg="mod">
-          <ac:chgData name="Øyvind Wiig Petersen" userId="8db00c4c-acc5-4dea-8516-ccf730572e42" providerId="ADAL" clId="{7DC68F7A-9BD5-443A-8A17-D3442C2AFE93}" dt="2024-08-15T18:57:12.866" v="1111" actId="1035"/>
-          <ac:spMkLst>
-            <pc:docMk/>
-            <pc:sldMk cId="3864109570" sldId="877"/>
-            <ac:spMk id="8" creationId="{BABDE0BB-2FD3-F152-9568-225334E83788}"/>
-          </ac:spMkLst>
-        </pc:spChg>
-        <pc:spChg chg="mod">
-          <ac:chgData name="Øyvind Wiig Petersen" userId="8db00c4c-acc5-4dea-8516-ccf730572e42" providerId="ADAL" clId="{7DC68F7A-9BD5-443A-8A17-D3442C2AFE93}" dt="2024-08-15T18:59:12.111" v="1174" actId="1037"/>
-          <ac:spMkLst>
-            <pc:docMk/>
-            <pc:sldMk cId="3864109570" sldId="877"/>
-            <ac:spMk id="11" creationId="{F4CD9D68-45E6-47BF-FB5E-FBD69C856489}"/>
-          </ac:spMkLst>
-        </pc:spChg>
-        <pc:graphicFrameChg chg="mod">
-          <ac:chgData name="Øyvind Wiig Petersen" userId="8db00c4c-acc5-4dea-8516-ccf730572e42" providerId="ADAL" clId="{7DC68F7A-9BD5-443A-8A17-D3442C2AFE93}" dt="2024-08-15T18:57:09.985" v="1107" actId="1035"/>
-          <ac:graphicFrameMkLst>
-            <pc:docMk/>
-            <pc:sldMk cId="3864109570" sldId="877"/>
-            <ac:graphicFrameMk id="4" creationId="{FE417494-8B7B-1EB4-7017-CCB931059DE9}"/>
-          </ac:graphicFrameMkLst>
-        </pc:graphicFrameChg>
-        <pc:graphicFrameChg chg="add mod">
-          <ac:chgData name="Øyvind Wiig Petersen" userId="8db00c4c-acc5-4dea-8516-ccf730572e42" providerId="ADAL" clId="{7DC68F7A-9BD5-443A-8A17-D3442C2AFE93}" dt="2024-08-15T19:03:21.415" v="1383" actId="1036"/>
-          <ac:graphicFrameMkLst>
-            <pc:docMk/>
-            <pc:sldMk cId="3864109570" sldId="877"/>
-            <ac:graphicFrameMk id="5" creationId="{39ACDF86-760E-A322-6080-BBA59652AEA5}"/>
-          </ac:graphicFrameMkLst>
-        </pc:graphicFrameChg>
-        <pc:graphicFrameChg chg="mod">
-          <ac:chgData name="Øyvind Wiig Petersen" userId="8db00c4c-acc5-4dea-8516-ccf730572e42" providerId="ADAL" clId="{7DC68F7A-9BD5-443A-8A17-D3442C2AFE93}" dt="2024-08-15T18:57:15.955" v="1117" actId="1035"/>
-          <ac:graphicFrameMkLst>
-            <pc:docMk/>
-            <pc:sldMk cId="3864109570" sldId="877"/>
-            <ac:graphicFrameMk id="6" creationId="{36351421-47A5-7281-9B88-0265B367A539}"/>
-          </ac:graphicFrameMkLst>
-        </pc:graphicFrameChg>
-        <pc:graphicFrameChg chg="mod">
-          <ac:chgData name="Øyvind Wiig Petersen" userId="8db00c4c-acc5-4dea-8516-ccf730572e42" providerId="ADAL" clId="{7DC68F7A-9BD5-443A-8A17-D3442C2AFE93}" dt="2024-08-15T19:03:18.510" v="1381" actId="1036"/>
-          <ac:graphicFrameMkLst>
-            <pc:docMk/>
-            <pc:sldMk cId="3864109570" sldId="877"/>
-            <ac:graphicFrameMk id="9" creationId="{BDE0FBBA-9EF8-F932-1DD9-D5E1D6407E3E}"/>
-          </ac:graphicFrameMkLst>
-        </pc:graphicFrameChg>
-        <pc:graphicFrameChg chg="mod">
-          <ac:chgData name="Øyvind Wiig Petersen" userId="8db00c4c-acc5-4dea-8516-ccf730572e42" providerId="ADAL" clId="{7DC68F7A-9BD5-443A-8A17-D3442C2AFE93}" dt="2024-08-15T19:03:23.514" v="1385" actId="1036"/>
-          <ac:graphicFrameMkLst>
-            <pc:docMk/>
-            <pc:sldMk cId="3864109570" sldId="877"/>
-            <ac:graphicFrameMk id="10" creationId="{2318BA5C-5607-626E-F892-E854A58D5460}"/>
-          </ac:graphicFrameMkLst>
-        </pc:graphicFrameChg>
-        <pc:graphicFrameChg chg="add mod">
-          <ac:chgData name="Øyvind Wiig Petersen" userId="8db00c4c-acc5-4dea-8516-ccf730572e42" providerId="ADAL" clId="{7DC68F7A-9BD5-443A-8A17-D3442C2AFE93}" dt="2024-08-15T18:54:57.295" v="1050"/>
-          <ac:graphicFrameMkLst>
-            <pc:docMk/>
-            <pc:sldMk cId="3864109570" sldId="877"/>
-            <ac:graphicFrameMk id="12" creationId="{64B11ED2-2C79-0DCE-0890-824CF3C13032}"/>
-          </ac:graphicFrameMkLst>
-        </pc:graphicFrameChg>
       </pc:sldChg>
       <pc:sldChg chg="del">
         <pc:chgData name="Øyvind Wiig Petersen" userId="8db00c4c-acc5-4dea-8516-ccf730572e42" providerId="ADAL" clId="{7DC68F7A-9BD5-443A-8A17-D3442C2AFE93}" dt="2024-08-15T09:24:15.087" v="2" actId="47"/>
@@ -757,126 +616,6 @@
           <pc:docMk/>
           <pc:sldMk cId="2564342563" sldId="878"/>
         </pc:sldMkLst>
-        <pc:spChg chg="mod">
-          <ac:chgData name="Øyvind Wiig Petersen" userId="8db00c4c-acc5-4dea-8516-ccf730572e42" providerId="ADAL" clId="{7DC68F7A-9BD5-443A-8A17-D3442C2AFE93}" dt="2024-08-15T19:09:45.834" v="1706" actId="20577"/>
-          <ac:spMkLst>
-            <pc:docMk/>
-            <pc:sldMk cId="2564342563" sldId="878"/>
-            <ac:spMk id="3" creationId="{A3B31256-F6E2-E6F6-778F-3D9FC51AA021}"/>
-          </ac:spMkLst>
-        </pc:spChg>
-        <pc:spChg chg="add mod">
-          <ac:chgData name="Øyvind Wiig Petersen" userId="8db00c4c-acc5-4dea-8516-ccf730572e42" providerId="ADAL" clId="{7DC68F7A-9BD5-443A-8A17-D3442C2AFE93}" dt="2024-08-15T19:00:19.437" v="1266" actId="20577"/>
-          <ac:spMkLst>
-            <pc:docMk/>
-            <pc:sldMk cId="2564342563" sldId="878"/>
-            <ac:spMk id="6" creationId="{4AC9A512-DBDC-4C96-0E86-38FF7ABFF869}"/>
-          </ac:spMkLst>
-        </pc:spChg>
-        <pc:spChg chg="mod">
-          <ac:chgData name="Øyvind Wiig Petersen" userId="8db00c4c-acc5-4dea-8516-ccf730572e42" providerId="ADAL" clId="{7DC68F7A-9BD5-443A-8A17-D3442C2AFE93}" dt="2024-08-17T14:52:51.122" v="1715" actId="20577"/>
-          <ac:spMkLst>
-            <pc:docMk/>
-            <pc:sldMk cId="2564342563" sldId="878"/>
-            <ac:spMk id="7" creationId="{C8E51998-F184-EDB6-8300-3673FD29194C}"/>
-          </ac:spMkLst>
-        </pc:spChg>
-        <pc:spChg chg="add mod">
-          <ac:chgData name="Øyvind Wiig Petersen" userId="8db00c4c-acc5-4dea-8516-ccf730572e42" providerId="ADAL" clId="{7DC68F7A-9BD5-443A-8A17-D3442C2AFE93}" dt="2024-08-15T19:02:53.707" v="1379" actId="20577"/>
-          <ac:spMkLst>
-            <pc:docMk/>
-            <pc:sldMk cId="2564342563" sldId="878"/>
-            <ac:spMk id="8" creationId="{0874CEFD-F21D-2D20-B987-E6A52594CB7C}"/>
-          </ac:spMkLst>
-        </pc:spChg>
-        <pc:graphicFrameChg chg="add mod">
-          <ac:chgData name="Øyvind Wiig Petersen" userId="8db00c4c-acc5-4dea-8516-ccf730572e42" providerId="ADAL" clId="{7DC68F7A-9BD5-443A-8A17-D3442C2AFE93}" dt="2024-08-15T19:01:04.154" v="1271" actId="1076"/>
-          <ac:graphicFrameMkLst>
-            <pc:docMk/>
-            <pc:sldMk cId="2564342563" sldId="878"/>
-            <ac:graphicFrameMk id="2" creationId="{BA6C68D1-1E36-74E9-DC0D-6B045D242E1A}"/>
-          </ac:graphicFrameMkLst>
-        </pc:graphicFrameChg>
-        <pc:graphicFrameChg chg="mod">
-          <ac:chgData name="Øyvind Wiig Petersen" userId="8db00c4c-acc5-4dea-8516-ccf730572e42" providerId="ADAL" clId="{7DC68F7A-9BD5-443A-8A17-D3442C2AFE93}" dt="2024-08-15T11:41:56.495" v="680"/>
-          <ac:graphicFrameMkLst>
-            <pc:docMk/>
-            <pc:sldMk cId="2564342563" sldId="878"/>
-            <ac:graphicFrameMk id="4" creationId="{FE417494-8B7B-1EB4-7017-CCB931059DE9}"/>
-          </ac:graphicFrameMkLst>
-        </pc:graphicFrameChg>
-        <pc:graphicFrameChg chg="add mod">
-          <ac:chgData name="Øyvind Wiig Petersen" userId="8db00c4c-acc5-4dea-8516-ccf730572e42" providerId="ADAL" clId="{7DC68F7A-9BD5-443A-8A17-D3442C2AFE93}" dt="2024-08-15T19:02:30.510" v="1297" actId="1036"/>
-          <ac:graphicFrameMkLst>
-            <pc:docMk/>
-            <pc:sldMk cId="2564342563" sldId="878"/>
-            <ac:graphicFrameMk id="5" creationId="{ECF6BFE7-C184-210A-A3C6-D5E4FF3EB33B}"/>
-          </ac:graphicFrameMkLst>
-        </pc:graphicFrameChg>
-        <pc:graphicFrameChg chg="del mod">
-          <ac:chgData name="Øyvind Wiig Petersen" userId="8db00c4c-acc5-4dea-8516-ccf730572e42" providerId="ADAL" clId="{7DC68F7A-9BD5-443A-8A17-D3442C2AFE93}" dt="2024-08-15T11:57:33.525" v="749" actId="478"/>
-          <ac:graphicFrameMkLst>
-            <pc:docMk/>
-            <pc:sldMk cId="2564342563" sldId="878"/>
-            <ac:graphicFrameMk id="6" creationId="{36351421-47A5-7281-9B88-0265B367A539}"/>
-          </ac:graphicFrameMkLst>
-        </pc:graphicFrameChg>
-        <pc:graphicFrameChg chg="add mod">
-          <ac:chgData name="Øyvind Wiig Petersen" userId="8db00c4c-acc5-4dea-8516-ccf730572e42" providerId="ADAL" clId="{7DC68F7A-9BD5-443A-8A17-D3442C2AFE93}" dt="2024-08-15T11:45:09.487" v="690"/>
-          <ac:graphicFrameMkLst>
-            <pc:docMk/>
-            <pc:sldMk cId="2564342563" sldId="878"/>
-            <ac:graphicFrameMk id="8" creationId="{819837D0-3E4B-C631-F04F-908D1934D7FC}"/>
-          </ac:graphicFrameMkLst>
-        </pc:graphicFrameChg>
-        <pc:graphicFrameChg chg="del mod">
-          <ac:chgData name="Øyvind Wiig Petersen" userId="8db00c4c-acc5-4dea-8516-ccf730572e42" providerId="ADAL" clId="{7DC68F7A-9BD5-443A-8A17-D3442C2AFE93}" dt="2024-08-15T11:57:33.525" v="749" actId="478"/>
-          <ac:graphicFrameMkLst>
-            <pc:docMk/>
-            <pc:sldMk cId="2564342563" sldId="878"/>
-            <ac:graphicFrameMk id="9" creationId="{BDE0FBBA-9EF8-F932-1DD9-D5E1D6407E3E}"/>
-          </ac:graphicFrameMkLst>
-        </pc:graphicFrameChg>
-        <pc:graphicFrameChg chg="del mod">
-          <ac:chgData name="Øyvind Wiig Petersen" userId="8db00c4c-acc5-4dea-8516-ccf730572e42" providerId="ADAL" clId="{7DC68F7A-9BD5-443A-8A17-D3442C2AFE93}" dt="2024-08-15T11:57:33.525" v="749" actId="478"/>
-          <ac:graphicFrameMkLst>
-            <pc:docMk/>
-            <pc:sldMk cId="2564342563" sldId="878"/>
-            <ac:graphicFrameMk id="10" creationId="{2318BA5C-5607-626E-F892-E854A58D5460}"/>
-          </ac:graphicFrameMkLst>
-        </pc:graphicFrameChg>
-        <pc:graphicFrameChg chg="add del mod">
-          <ac:chgData name="Øyvind Wiig Petersen" userId="8db00c4c-acc5-4dea-8516-ccf730572e42" providerId="ADAL" clId="{7DC68F7A-9BD5-443A-8A17-D3442C2AFE93}" dt="2024-08-15T11:57:33.525" v="749" actId="478"/>
-          <ac:graphicFrameMkLst>
-            <pc:docMk/>
-            <pc:sldMk cId="2564342563" sldId="878"/>
-            <ac:graphicFrameMk id="11" creationId="{EA6FB049-78EC-844D-DFF8-BBC162A778EC}"/>
-          </ac:graphicFrameMkLst>
-        </pc:graphicFrameChg>
-        <pc:graphicFrameChg chg="del mod">
-          <ac:chgData name="Øyvind Wiig Petersen" userId="8db00c4c-acc5-4dea-8516-ccf730572e42" providerId="ADAL" clId="{7DC68F7A-9BD5-443A-8A17-D3442C2AFE93}" dt="2024-08-15T11:37:03.413" v="640" actId="478"/>
-          <ac:graphicFrameMkLst>
-            <pc:docMk/>
-            <pc:sldMk cId="2564342563" sldId="878"/>
-            <ac:graphicFrameMk id="12" creationId="{7812B207-7BF7-ED63-6790-2EE9DEE31856}"/>
-          </ac:graphicFrameMkLst>
-        </pc:graphicFrameChg>
-        <pc:graphicFrameChg chg="add mod">
-          <ac:chgData name="Øyvind Wiig Petersen" userId="8db00c4c-acc5-4dea-8516-ccf730572e42" providerId="ADAL" clId="{7DC68F7A-9BD5-443A-8A17-D3442C2AFE93}" dt="2024-08-15T19:01:02.899" v="1270" actId="1076"/>
-          <ac:graphicFrameMkLst>
-            <pc:docMk/>
-            <pc:sldMk cId="2564342563" sldId="878"/>
-            <ac:graphicFrameMk id="13" creationId="{F923C589-BDD1-DD6C-9FA6-03CEAE677450}"/>
-          </ac:graphicFrameMkLst>
-        </pc:graphicFrameChg>
-        <pc:graphicFrameChg chg="mod">
-          <ac:chgData name="Øyvind Wiig Petersen" userId="8db00c4c-acc5-4dea-8516-ccf730572e42" providerId="ADAL" clId="{7DC68F7A-9BD5-443A-8A17-D3442C2AFE93}" dt="2024-08-15T18:59:58.368" v="1251" actId="1076"/>
-          <ac:graphicFrameMkLst>
-            <pc:docMk/>
-            <pc:sldMk cId="2564342563" sldId="878"/>
-            <ac:graphicFrameMk id="15" creationId="{535B4E99-54C3-D752-2766-3B41CBC6A903}"/>
-          </ac:graphicFrameMkLst>
-        </pc:graphicFrameChg>
       </pc:sldChg>
       <pc:sldChg chg="del">
         <pc:chgData name="Øyvind Wiig Petersen" userId="8db00c4c-acc5-4dea-8516-ccf730572e42" providerId="ADAL" clId="{7DC68F7A-9BD5-443A-8A17-D3442C2AFE93}" dt="2024-08-15T09:24:15.087" v="2" actId="47"/>
@@ -891,110 +630,6 @@
           <pc:docMk/>
           <pc:sldMk cId="1088200178" sldId="879"/>
         </pc:sldMkLst>
-        <pc:spChg chg="add mod">
-          <ac:chgData name="Øyvind Wiig Petersen" userId="8db00c4c-acc5-4dea-8516-ccf730572e42" providerId="ADAL" clId="{7DC68F7A-9BD5-443A-8A17-D3442C2AFE93}" dt="2024-08-15T19:07:20.706" v="1580" actId="20577"/>
-          <ac:spMkLst>
-            <pc:docMk/>
-            <pc:sldMk cId="1088200178" sldId="879"/>
-            <ac:spMk id="2" creationId="{D7636C62-70C6-743F-3011-8B084DB5A09B}"/>
-          </ac:spMkLst>
-        </pc:spChg>
-        <pc:spChg chg="mod">
-          <ac:chgData name="Øyvind Wiig Petersen" userId="8db00c4c-acc5-4dea-8516-ccf730572e42" providerId="ADAL" clId="{7DC68F7A-9BD5-443A-8A17-D3442C2AFE93}" dt="2024-08-15T19:09:49.962" v="1708"/>
-          <ac:spMkLst>
-            <pc:docMk/>
-            <pc:sldMk cId="1088200178" sldId="879"/>
-            <ac:spMk id="3" creationId="{A3B31256-F6E2-E6F6-778F-3D9FC51AA021}"/>
-          </ac:spMkLst>
-        </pc:spChg>
-        <pc:spChg chg="add mod">
-          <ac:chgData name="Øyvind Wiig Petersen" userId="8db00c4c-acc5-4dea-8516-ccf730572e42" providerId="ADAL" clId="{7DC68F7A-9BD5-443A-8A17-D3442C2AFE93}" dt="2024-08-15T19:07:59.816" v="1628" actId="20577"/>
-          <ac:spMkLst>
-            <pc:docMk/>
-            <pc:sldMk cId="1088200178" sldId="879"/>
-            <ac:spMk id="4" creationId="{AAE6BE75-3AEC-B41A-4E5B-71D20EFBAEC5}"/>
-          </ac:spMkLst>
-        </pc:spChg>
-        <pc:spChg chg="mod">
-          <ac:chgData name="Øyvind Wiig Petersen" userId="8db00c4c-acc5-4dea-8516-ccf730572e42" providerId="ADAL" clId="{7DC68F7A-9BD5-443A-8A17-D3442C2AFE93}" dt="2024-08-15T19:04:11.004" v="1448" actId="20577"/>
-          <ac:spMkLst>
-            <pc:docMk/>
-            <pc:sldMk cId="1088200178" sldId="879"/>
-            <ac:spMk id="7" creationId="{C8E51998-F184-EDB6-8300-3673FD29194C}"/>
-          </ac:spMkLst>
-        </pc:spChg>
-        <pc:spChg chg="add mod">
-          <ac:chgData name="Øyvind Wiig Petersen" userId="8db00c4c-acc5-4dea-8516-ccf730572e42" providerId="ADAL" clId="{7DC68F7A-9BD5-443A-8A17-D3442C2AFE93}" dt="2024-08-15T19:08:54.954" v="1649" actId="1035"/>
-          <ac:spMkLst>
-            <pc:docMk/>
-            <pc:sldMk cId="1088200178" sldId="879"/>
-            <ac:spMk id="10" creationId="{993497EB-E5CA-3D3C-5CAF-CFAC07B16C52}"/>
-          </ac:spMkLst>
-        </pc:spChg>
-        <pc:graphicFrameChg chg="del">
-          <ac:chgData name="Øyvind Wiig Petersen" userId="8db00c4c-acc5-4dea-8516-ccf730572e42" providerId="ADAL" clId="{7DC68F7A-9BD5-443A-8A17-D3442C2AFE93}" dt="2024-08-15T11:59:19.004" v="759" actId="478"/>
-          <ac:graphicFrameMkLst>
-            <pc:docMk/>
-            <pc:sldMk cId="1088200178" sldId="879"/>
-            <ac:graphicFrameMk id="2" creationId="{BA6C68D1-1E36-74E9-DC0D-6B045D242E1A}"/>
-          </ac:graphicFrameMkLst>
-        </pc:graphicFrameChg>
-        <pc:graphicFrameChg chg="del">
-          <ac:chgData name="Øyvind Wiig Petersen" userId="8db00c4c-acc5-4dea-8516-ccf730572e42" providerId="ADAL" clId="{7DC68F7A-9BD5-443A-8A17-D3442C2AFE93}" dt="2024-08-15T11:59:19.004" v="759" actId="478"/>
-          <ac:graphicFrameMkLst>
-            <pc:docMk/>
-            <pc:sldMk cId="1088200178" sldId="879"/>
-            <ac:graphicFrameMk id="4" creationId="{FE417494-8B7B-1EB4-7017-CCB931059DE9}"/>
-          </ac:graphicFrameMkLst>
-        </pc:graphicFrameChg>
-        <pc:graphicFrameChg chg="mod">
-          <ac:chgData name="Øyvind Wiig Petersen" userId="8db00c4c-acc5-4dea-8516-ccf730572e42" providerId="ADAL" clId="{7DC68F7A-9BD5-443A-8A17-D3442C2AFE93}" dt="2024-08-15T19:08:46.038" v="1645" actId="1036"/>
-          <ac:graphicFrameMkLst>
-            <pc:docMk/>
-            <pc:sldMk cId="1088200178" sldId="879"/>
-            <ac:graphicFrameMk id="5" creationId="{ECF6BFE7-C184-210A-A3C6-D5E4FF3EB33B}"/>
-          </ac:graphicFrameMkLst>
-        </pc:graphicFrameChg>
-        <pc:graphicFrameChg chg="add mod">
-          <ac:chgData name="Øyvind Wiig Petersen" userId="8db00c4c-acc5-4dea-8516-ccf730572e42" providerId="ADAL" clId="{7DC68F7A-9BD5-443A-8A17-D3442C2AFE93}" dt="2024-08-15T19:08:49.796" v="1646" actId="1035"/>
-          <ac:graphicFrameMkLst>
-            <pc:docMk/>
-            <pc:sldMk cId="1088200178" sldId="879"/>
-            <ac:graphicFrameMk id="6" creationId="{73EDEAC9-AADB-EA0E-6BD3-F3E7E2C59729}"/>
-          </ac:graphicFrameMkLst>
-        </pc:graphicFrameChg>
-        <pc:graphicFrameChg chg="add mod">
-          <ac:chgData name="Øyvind Wiig Petersen" userId="8db00c4c-acc5-4dea-8516-ccf730572e42" providerId="ADAL" clId="{7DC68F7A-9BD5-443A-8A17-D3442C2AFE93}" dt="2024-08-15T19:07:57.416" v="1627" actId="1035"/>
-          <ac:graphicFrameMkLst>
-            <pc:docMk/>
-            <pc:sldMk cId="1088200178" sldId="879"/>
-            <ac:graphicFrameMk id="8" creationId="{2FF2BB1C-118B-C6B5-D47A-0BF56C243F69}"/>
-          </ac:graphicFrameMkLst>
-        </pc:graphicFrameChg>
-        <pc:graphicFrameChg chg="add mod">
-          <ac:chgData name="Øyvind Wiig Petersen" userId="8db00c4c-acc5-4dea-8516-ccf730572e42" providerId="ADAL" clId="{7DC68F7A-9BD5-443A-8A17-D3442C2AFE93}" dt="2024-08-15T19:08:54.954" v="1649" actId="1035"/>
-          <ac:graphicFrameMkLst>
-            <pc:docMk/>
-            <pc:sldMk cId="1088200178" sldId="879"/>
-            <ac:graphicFrameMk id="9" creationId="{BD56D697-39E4-59B2-87D2-41FEFFE8FC97}"/>
-          </ac:graphicFrameMkLst>
-        </pc:graphicFrameChg>
-        <pc:graphicFrameChg chg="del">
-          <ac:chgData name="Øyvind Wiig Petersen" userId="8db00c4c-acc5-4dea-8516-ccf730572e42" providerId="ADAL" clId="{7DC68F7A-9BD5-443A-8A17-D3442C2AFE93}" dt="2024-08-15T11:59:19.004" v="759" actId="478"/>
-          <ac:graphicFrameMkLst>
-            <pc:docMk/>
-            <pc:sldMk cId="1088200178" sldId="879"/>
-            <ac:graphicFrameMk id="13" creationId="{F923C589-BDD1-DD6C-9FA6-03CEAE677450}"/>
-          </ac:graphicFrameMkLst>
-        </pc:graphicFrameChg>
-        <pc:graphicFrameChg chg="del">
-          <ac:chgData name="Øyvind Wiig Petersen" userId="8db00c4c-acc5-4dea-8516-ccf730572e42" providerId="ADAL" clId="{7DC68F7A-9BD5-443A-8A17-D3442C2AFE93}" dt="2024-08-15T11:59:19.004" v="759" actId="478"/>
-          <ac:graphicFrameMkLst>
-            <pc:docMk/>
-            <pc:sldMk cId="1088200178" sldId="879"/>
-            <ac:graphicFrameMk id="15" creationId="{535B4E99-54C3-D752-2766-3B41CBC6A903}"/>
-          </ac:graphicFrameMkLst>
-        </pc:graphicFrameChg>
       </pc:sldChg>
       <pc:sldChg chg="del">
         <pc:chgData name="Øyvind Wiig Petersen" userId="8db00c4c-acc5-4dea-8516-ccf730572e42" providerId="ADAL" clId="{7DC68F7A-9BD5-443A-8A17-D3442C2AFE93}" dt="2024-08-15T09:24:15.087" v="2" actId="47"/>
@@ -1088,22 +723,6 @@
           <pc:docMk/>
           <pc:sldMk cId="3864109570" sldId="877"/>
         </pc:sldMkLst>
-        <pc:graphicFrameChg chg="mod">
-          <ac:chgData name="Øyvind Wiig Petersen" userId="8db00c4c-acc5-4dea-8516-ccf730572e42" providerId="ADAL" clId="{087AD121-D1DC-47BB-8804-EA02AB6D81C7}" dt="2024-10-23T04:44:56.400" v="4"/>
-          <ac:graphicFrameMkLst>
-            <pc:docMk/>
-            <pc:sldMk cId="3864109570" sldId="877"/>
-            <ac:graphicFrameMk id="6" creationId="{36351421-47A5-7281-9B88-0265B367A539}"/>
-          </ac:graphicFrameMkLst>
-        </pc:graphicFrameChg>
-        <pc:graphicFrameChg chg="mod">
-          <ac:chgData name="Øyvind Wiig Petersen" userId="8db00c4c-acc5-4dea-8516-ccf730572e42" providerId="ADAL" clId="{087AD121-D1DC-47BB-8804-EA02AB6D81C7}" dt="2024-10-23T04:44:58.400" v="5"/>
-          <ac:graphicFrameMkLst>
-            <pc:docMk/>
-            <pc:sldMk cId="3864109570" sldId="877"/>
-            <ac:graphicFrameMk id="9" creationId="{BDE0FBBA-9EF8-F932-1DD9-D5E1D6407E3E}"/>
-          </ac:graphicFrameMkLst>
-        </pc:graphicFrameChg>
       </pc:sldChg>
       <pc:sldChg chg="modSp">
         <pc:chgData name="Øyvind Wiig Petersen" userId="8db00c4c-acc5-4dea-8516-ccf730572e42" providerId="ADAL" clId="{087AD121-D1DC-47BB-8804-EA02AB6D81C7}" dt="2024-10-23T04:46:31.732" v="8"/>
@@ -1111,30 +730,6 @@
           <pc:docMk/>
           <pc:sldMk cId="2564342563" sldId="878"/>
         </pc:sldMkLst>
-        <pc:graphicFrameChg chg="mod">
-          <ac:chgData name="Øyvind Wiig Petersen" userId="8db00c4c-acc5-4dea-8516-ccf730572e42" providerId="ADAL" clId="{087AD121-D1DC-47BB-8804-EA02AB6D81C7}" dt="2024-10-23T04:45:29.853" v="6"/>
-          <ac:graphicFrameMkLst>
-            <pc:docMk/>
-            <pc:sldMk cId="2564342563" sldId="878"/>
-            <ac:graphicFrameMk id="4" creationId="{FE417494-8B7B-1EB4-7017-CCB931059DE9}"/>
-          </ac:graphicFrameMkLst>
-        </pc:graphicFrameChg>
-        <pc:graphicFrameChg chg="mod">
-          <ac:chgData name="Øyvind Wiig Petersen" userId="8db00c4c-acc5-4dea-8516-ccf730572e42" providerId="ADAL" clId="{087AD121-D1DC-47BB-8804-EA02AB6D81C7}" dt="2024-10-23T04:46:31.732" v="8"/>
-          <ac:graphicFrameMkLst>
-            <pc:docMk/>
-            <pc:sldMk cId="2564342563" sldId="878"/>
-            <ac:graphicFrameMk id="5" creationId="{ECF6BFE7-C184-210A-A3C6-D5E4FF3EB33B}"/>
-          </ac:graphicFrameMkLst>
-        </pc:graphicFrameChg>
-        <pc:graphicFrameChg chg="mod">
-          <ac:chgData name="Øyvind Wiig Petersen" userId="8db00c4c-acc5-4dea-8516-ccf730572e42" providerId="ADAL" clId="{087AD121-D1DC-47BB-8804-EA02AB6D81C7}" dt="2024-10-23T04:45:59.510" v="7"/>
-          <ac:graphicFrameMkLst>
-            <pc:docMk/>
-            <pc:sldMk cId="2564342563" sldId="878"/>
-            <ac:graphicFrameMk id="15" creationId="{535B4E99-54C3-D752-2766-3B41CBC6A903}"/>
-          </ac:graphicFrameMkLst>
-        </pc:graphicFrameChg>
       </pc:sldChg>
     </pc:docChg>
   </pc:docChgLst>
@@ -1223,7 +818,7 @@
           <a:p>
             <a:fld id="{A5900E29-18E1-4109-AAA1-F28C0AAA934D}" type="datetimeFigureOut">
               <a:rPr lang="en-US" smtClean="0"/>
-              <a:t>11/15/2024</a:t>
+              <a:t>5/7/2025</a:t>
             </a:fld>
             <a:endParaRPr lang="en-US"/>
           </a:p>
@@ -1388,7 +983,7 @@
           <a:p>
             <a:fld id="{9202B75C-0EBB-4B30-BBC4-C5E69FFFE7FE}" type="datetimeFigureOut">
               <a:rPr lang="nb-NO" smtClean="0"/>
-              <a:t>15.11.2024</a:t>
+              <a:t>07.05.2025</a:t>
             </a:fld>
             <a:endParaRPr lang="nb-NO"/>
           </a:p>
@@ -4938,7 +4533,7 @@
                   <a:schemeClr val="bg1"/>
                 </a:solidFill>
               </a:rPr>
-              <a:t>xxx</a:t>
+              <a:t>This was wrong, it turns out</a:t>
             </a:r>
           </a:p>
         </p:txBody>
@@ -5016,13 +4611,13 @@
           <p:nvPr>
             <p:extLst>
               <p:ext uri="{D42A27DB-BD31-4B8C-83A1-F6EECF244321}">
-                <p14:modId xmlns:p14="http://schemas.microsoft.com/office/powerpoint/2010/main" val="360546815"/>
+                <p14:modId xmlns:p14="http://schemas.microsoft.com/office/powerpoint/2010/main" val="1123219974"/>
               </p:ext>
             </p:extLst>
           </p:nvPr>
         </p:nvGraphicFramePr>
         <p:xfrm>
-          <a:off x="3005138" y="2936875"/>
+          <a:off x="3005138" y="2937098"/>
           <a:ext cx="2967037" cy="1458913"/>
         </p:xfrm>
         <a:graphic>
@@ -5056,7 +4651,7 @@
                     </p:blipFill>
                     <p:spPr>
                       <a:xfrm>
-                        <a:off x="3005138" y="2936875"/>
+                        <a:off x="3005138" y="2937098"/>
                         <a:ext cx="2967037" cy="1458913"/>
                       </a:xfrm>
                       <a:prstGeom prst="rect">
@@ -5129,14 +4724,14 @@
           <p:nvPr>
             <p:extLst>
               <p:ext uri="{D42A27DB-BD31-4B8C-83A1-F6EECF244321}">
-                <p14:modId xmlns:p14="http://schemas.microsoft.com/office/powerpoint/2010/main" val="2284578414"/>
+                <p14:modId xmlns:p14="http://schemas.microsoft.com/office/powerpoint/2010/main" val="4071547564"/>
               </p:ext>
             </p:extLst>
           </p:nvPr>
         </p:nvGraphicFramePr>
         <p:xfrm>
-          <a:off x="3035660" y="1052513"/>
-          <a:ext cx="2209125" cy="1536782"/>
+          <a:off x="3005138" y="1052736"/>
+          <a:ext cx="2044224" cy="1422288"/>
         </p:xfrm>
         <a:graphic>
           <a:graphicData uri="http://schemas.openxmlformats.org/presentationml/2006/ole">
@@ -5169,8 +4764,8 @@
                     </p:blipFill>
                     <p:spPr>
                       <a:xfrm>
-                        <a:off x="3035660" y="1052513"/>
-                        <a:ext cx="2209125" cy="1536782"/>
+                        <a:off x="3005138" y="1052736"/>
+                        <a:ext cx="2044224" cy="1422288"/>
                       </a:xfrm>
                       <a:prstGeom prst="rect">
                         <a:avLst/>
@@ -5198,13 +4793,13 @@
           <p:nvPr>
             <p:extLst>
               <p:ext uri="{D42A27DB-BD31-4B8C-83A1-F6EECF244321}">
-                <p14:modId xmlns:p14="http://schemas.microsoft.com/office/powerpoint/2010/main" val="501162633"/>
+                <p14:modId xmlns:p14="http://schemas.microsoft.com/office/powerpoint/2010/main" val="700167872"/>
               </p:ext>
             </p:extLst>
           </p:nvPr>
         </p:nvGraphicFramePr>
         <p:xfrm>
-          <a:off x="3107668" y="4761148"/>
+          <a:off x="3005138" y="4761371"/>
           <a:ext cx="4033838" cy="1457325"/>
         </p:xfrm>
         <a:graphic>
@@ -5238,7 +4833,7 @@
                     </p:blipFill>
                     <p:spPr>
                       <a:xfrm>
-                        <a:off x="3107668" y="4761148"/>
+                        <a:off x="3005138" y="4761371"/>
                         <a:ext cx="4033838" cy="1457325"/>
                       </a:xfrm>
                       <a:prstGeom prst="rect">
@@ -5766,25 +5361,25 @@
           <p:nvPr>
             <p:extLst>
               <p:ext uri="{D42A27DB-BD31-4B8C-83A1-F6EECF244321}">
-                <p14:modId xmlns:p14="http://schemas.microsoft.com/office/powerpoint/2010/main" val="4210856304"/>
+                <p14:modId xmlns:p14="http://schemas.microsoft.com/office/powerpoint/2010/main" val="1521595144"/>
               </p:ext>
             </p:extLst>
           </p:nvPr>
         </p:nvGraphicFramePr>
         <p:xfrm>
-          <a:off x="873125" y="2852738"/>
-          <a:ext cx="5957888" cy="676275"/>
+          <a:off x="875420" y="2780928"/>
+          <a:ext cx="5919788" cy="996950"/>
         </p:xfrm>
         <a:graphic>
           <a:graphicData uri="http://schemas.openxmlformats.org/presentationml/2006/ole">
             <mc:AlternateContent xmlns:mc="http://schemas.openxmlformats.org/markup-compatibility/2006">
               <mc:Choice xmlns:v="urn:schemas-microsoft-com:vml" Requires="v">
-                <p:oleObj name="Equation" r:id="rId4" imgW="4254480" imgH="482400" progId="Equation.DSMT4">
+                <p:oleObj name="Equation" r:id="rId4" imgW="4228920" imgH="711000" progId="Equation.DSMT4">
                   <p:embed/>
                 </p:oleObj>
               </mc:Choice>
               <mc:Fallback>
-                <p:oleObj name="Equation" r:id="rId4" imgW="4254480" imgH="482400" progId="Equation.DSMT4">
+                <p:oleObj name="Equation" r:id="rId4" imgW="4228920" imgH="711000" progId="Equation.DSMT4">
                   <p:embed/>
                   <p:pic>
                     <p:nvPicPr>
@@ -5806,8 +5401,8 @@
                     </p:blipFill>
                     <p:spPr>
                       <a:xfrm>
-                        <a:off x="873125" y="2852738"/>
-                        <a:ext cx="5957888" cy="676275"/>
+                        <a:off x="875420" y="2780928"/>
+                        <a:ext cx="5919788" cy="996950"/>
                       </a:xfrm>
                       <a:prstGeom prst="rect">
                         <a:avLst/>
@@ -6042,12 +5637,8 @@
               <a:buNone/>
             </a:pPr>
             <a:r>
-              <a:rPr lang="nb-NO" dirty="0" err="1"/>
-              <a:t>Innovation</a:t>
-            </a:r>
-            <a:r>
               <a:rPr lang="nb-NO" dirty="0"/>
-              <a:t> </a:t>
+              <a:t>Residual </a:t>
             </a:r>
             <a:r>
               <a:rPr lang="nb-NO" dirty="0" err="1"/>
@@ -6075,13 +5666,13 @@
           <p:nvPr>
             <p:extLst>
               <p:ext uri="{D42A27DB-BD31-4B8C-83A1-F6EECF244321}">
-                <p14:modId xmlns:p14="http://schemas.microsoft.com/office/powerpoint/2010/main" val="3801572657"/>
+                <p14:modId xmlns:p14="http://schemas.microsoft.com/office/powerpoint/2010/main" val="2514816054"/>
               </p:ext>
             </p:extLst>
           </p:nvPr>
         </p:nvGraphicFramePr>
         <p:xfrm>
-          <a:off x="866704" y="3957687"/>
+          <a:off x="875672" y="4173277"/>
           <a:ext cx="2914650" cy="479425"/>
         </p:xfrm>
         <a:graphic>
@@ -6115,7 +5706,7 @@
                     </p:blipFill>
                     <p:spPr>
                       <a:xfrm>
-                        <a:off x="866704" y="3957687"/>
+                        <a:off x="875672" y="4173277"/>
                         <a:ext cx="2914650" cy="479425"/>
                       </a:xfrm>
                       <a:prstGeom prst="rect">
@@ -6144,25 +5735,25 @@
           <p:nvPr>
             <p:extLst>
               <p:ext uri="{D42A27DB-BD31-4B8C-83A1-F6EECF244321}">
-                <p14:modId xmlns:p14="http://schemas.microsoft.com/office/powerpoint/2010/main" val="2010604211"/>
+                <p14:modId xmlns:p14="http://schemas.microsoft.com/office/powerpoint/2010/main" val="449918733"/>
               </p:ext>
             </p:extLst>
           </p:nvPr>
         </p:nvGraphicFramePr>
         <p:xfrm>
-          <a:off x="875420" y="5239159"/>
-          <a:ext cx="5618163" cy="746125"/>
+          <a:off x="875420" y="5026496"/>
+          <a:ext cx="8836025" cy="1066800"/>
         </p:xfrm>
         <a:graphic>
           <a:graphicData uri="http://schemas.openxmlformats.org/presentationml/2006/ole">
             <mc:AlternateContent xmlns:mc="http://schemas.openxmlformats.org/markup-compatibility/2006">
               <mc:Choice xmlns:v="urn:schemas-microsoft-com:vml" Requires="v">
-                <p:oleObj name="Equation" r:id="rId8" imgW="4012920" imgH="533160" progId="Equation.DSMT4">
+                <p:oleObj name="Equation" r:id="rId8" imgW="6311880" imgH="761760" progId="Equation.DSMT4">
                   <p:embed/>
                 </p:oleObj>
               </mc:Choice>
               <mc:Fallback>
-                <p:oleObj name="Equation" r:id="rId8" imgW="4012920" imgH="533160" progId="Equation.DSMT4">
+                <p:oleObj name="Equation" r:id="rId8" imgW="6311880" imgH="761760" progId="Equation.DSMT4">
                   <p:embed/>
                   <p:pic>
                     <p:nvPicPr>
@@ -6184,8 +5775,8 @@
                     </p:blipFill>
                     <p:spPr>
                       <a:xfrm>
-                        <a:off x="875420" y="5239159"/>
-                        <a:ext cx="5618163" cy="746125"/>
+                        <a:off x="875420" y="5026496"/>
+                        <a:ext cx="8836025" cy="1066800"/>
                       </a:xfrm>
                       <a:prstGeom prst="rect">
                         <a:avLst/>
@@ -6214,7 +5805,7 @@
         </p:nvSpPr>
         <p:spPr>
           <a:xfrm>
-            <a:off x="587388" y="6057069"/>
+            <a:off x="595808" y="6165304"/>
             <a:ext cx="10972800" cy="324259"/>
           </a:xfrm>
           <a:prstGeom prst="rect">
@@ -6368,8 +5959,12 @@
               <a:buNone/>
             </a:pPr>
             <a:r>
+              <a:rPr lang="nb-NO" dirty="0" err="1"/>
+              <a:t>Two</a:t>
+            </a:r>
+            <a:r>
               <a:rPr lang="nb-NO" dirty="0"/>
-              <a:t>The </a:t>
+              <a:t> cross-</a:t>
             </a:r>
             <a:r>
               <a:rPr lang="nb-NO" dirty="0" err="1"/>
@@ -6377,47 +5972,7 @@
             </a:r>
             <a:r>
               <a:rPr lang="nb-NO" dirty="0"/>
-              <a:t> </a:t>
-            </a:r>
-            <a:r>
-              <a:rPr lang="nb-NO" dirty="0" err="1"/>
-              <a:t>between</a:t>
-            </a:r>
-            <a:r>
-              <a:rPr lang="nb-NO" dirty="0"/>
-              <a:t> </a:t>
-            </a:r>
-            <a:r>
-              <a:rPr lang="nb-NO" dirty="0" err="1"/>
-              <a:t>the</a:t>
-            </a:r>
-            <a:r>
-              <a:rPr lang="nb-NO" dirty="0"/>
-              <a:t> </a:t>
-            </a:r>
-            <a:r>
-              <a:rPr lang="nb-NO" dirty="0" err="1"/>
-              <a:t>errors</a:t>
-            </a:r>
-            <a:r>
-              <a:rPr lang="nb-NO" dirty="0"/>
-              <a:t> in </a:t>
-            </a:r>
-            <a:r>
-              <a:rPr lang="nb-NO" dirty="0" err="1"/>
-              <a:t>state</a:t>
-            </a:r>
-            <a:r>
-              <a:rPr lang="nb-NO" dirty="0"/>
-              <a:t> </a:t>
-            </a:r>
-            <a:r>
-              <a:rPr lang="nb-NO" dirty="0" err="1"/>
-              <a:t>prediction</a:t>
-            </a:r>
-            <a:r>
-              <a:rPr lang="nb-NO" dirty="0"/>
-              <a:t> and force </a:t>
+              <a:t> terms </a:t>
             </a:r>
             <a:r>
               <a:rPr lang="nb-NO" dirty="0" err="1"/>
@@ -6451,7 +6006,7 @@
         </p:nvSpPr>
         <p:spPr>
           <a:xfrm>
-            <a:off x="609600" y="3501008"/>
+            <a:off x="587388" y="3681028"/>
             <a:ext cx="10972800" cy="324259"/>
           </a:xfrm>
           <a:prstGeom prst="rect">
@@ -6634,25 +6189,25 @@
           <p:nvPr>
             <p:extLst>
               <p:ext uri="{D42A27DB-BD31-4B8C-83A1-F6EECF244321}">
-                <p14:modId xmlns:p14="http://schemas.microsoft.com/office/powerpoint/2010/main" val="3999250184"/>
+                <p14:modId xmlns:p14="http://schemas.microsoft.com/office/powerpoint/2010/main" val="1810456975"/>
               </p:ext>
             </p:extLst>
           </p:nvPr>
         </p:nvGraphicFramePr>
         <p:xfrm>
-          <a:off x="875420" y="4446048"/>
-          <a:ext cx="3804696" cy="711144"/>
+          <a:off x="5483932" y="3897052"/>
+          <a:ext cx="4054475" cy="1031875"/>
         </p:xfrm>
         <a:graphic>
           <a:graphicData uri="http://schemas.openxmlformats.org/presentationml/2006/ole">
             <mc:AlternateContent xmlns:mc="http://schemas.openxmlformats.org/markup-compatibility/2006">
               <mc:Choice xmlns:v="urn:schemas-microsoft-com:vml" Requires="v">
-                <p:oleObj name="Equation" r:id="rId10" imgW="2717640" imgH="507960" progId="Equation.DSMT4">
+                <p:oleObj name="Equation" r:id="rId10" imgW="2895480" imgH="736560" progId="Equation.DSMT4">
                   <p:embed/>
                 </p:oleObj>
               </mc:Choice>
               <mc:Fallback>
-                <p:oleObj name="Equation" r:id="rId10" imgW="2717640" imgH="507960" progId="Equation.DSMT4">
+                <p:oleObj name="Equation" r:id="rId10" imgW="2895480" imgH="736560" progId="Equation.DSMT4">
                   <p:embed/>
                   <p:pic>
                     <p:nvPicPr>
@@ -6674,8 +6229,8 @@
                     </p:blipFill>
                     <p:spPr>
                       <a:xfrm>
-                        <a:off x="875420" y="4446048"/>
-                        <a:ext cx="3804696" cy="711144"/>
+                        <a:off x="5483932" y="3897052"/>
+                        <a:ext cx="4054475" cy="1031875"/>
                       </a:xfrm>
                       <a:prstGeom prst="rect">
                         <a:avLst/>
@@ -6890,75 +6445,6 @@
       </p:sp>
       <p:graphicFrame>
         <p:nvGraphicFramePr>
-          <p:cNvPr id="15" name="Object 14">
-            <a:extLst>
-              <a:ext uri="{FF2B5EF4-FFF2-40B4-BE49-F238E27FC236}">
-                <a16:creationId xmlns:a16="http://schemas.microsoft.com/office/drawing/2014/main" id="{535B4E99-54C3-D752-2766-3B41CBC6A903}"/>
-              </a:ext>
-            </a:extLst>
-          </p:cNvPr>
-          <p:cNvGraphicFramePr>
-            <a:graphicFrameLocks noChangeAspect="1"/>
-          </p:cNvGraphicFramePr>
-          <p:nvPr>
-            <p:extLst>
-              <p:ext uri="{D42A27DB-BD31-4B8C-83A1-F6EECF244321}">
-                <p14:modId xmlns:p14="http://schemas.microsoft.com/office/powerpoint/2010/main" val="1522060225"/>
-              </p:ext>
-            </p:extLst>
-          </p:nvPr>
-        </p:nvGraphicFramePr>
-        <p:xfrm>
-          <a:off x="884840" y="2891938"/>
-          <a:ext cx="7550150" cy="336550"/>
-        </p:xfrm>
-        <a:graphic>
-          <a:graphicData uri="http://schemas.openxmlformats.org/presentationml/2006/ole">
-            <mc:AlternateContent xmlns:mc="http://schemas.openxmlformats.org/markup-compatibility/2006">
-              <mc:Choice xmlns:v="urn:schemas-microsoft-com:vml" Requires="v">
-                <p:oleObj name="Equation" r:id="rId4" imgW="5397480" imgH="241200" progId="Equation.DSMT4">
-                  <p:embed/>
-                </p:oleObj>
-              </mc:Choice>
-              <mc:Fallback>
-                <p:oleObj name="Equation" r:id="rId4" imgW="5397480" imgH="241200" progId="Equation.DSMT4">
-                  <p:embed/>
-                  <p:pic>
-                    <p:nvPicPr>
-                      <p:cNvPr id="15" name="Object 14">
-                        <a:extLst>
-                          <a:ext uri="{FF2B5EF4-FFF2-40B4-BE49-F238E27FC236}">
-                            <a16:creationId xmlns:a16="http://schemas.microsoft.com/office/drawing/2014/main" id="{535B4E99-54C3-D752-2766-3B41CBC6A903}"/>
-                          </a:ext>
-                        </a:extLst>
-                      </p:cNvPr>
-                      <p:cNvPicPr/>
-                      <p:nvPr/>
-                    </p:nvPicPr>
-                    <p:blipFill>
-                      <a:blip r:embed="rId5"/>
-                      <a:stretch>
-                        <a:fillRect/>
-                      </a:stretch>
-                    </p:blipFill>
-                    <p:spPr>
-                      <a:xfrm>
-                        <a:off x="884840" y="2891938"/>
-                        <a:ext cx="7550150" cy="336550"/>
-                      </a:xfrm>
-                      <a:prstGeom prst="rect">
-                        <a:avLst/>
-                      </a:prstGeom>
-                    </p:spPr>
-                  </p:pic>
-                </p:oleObj>
-              </mc:Fallback>
-            </mc:AlternateContent>
-          </a:graphicData>
-        </a:graphic>
-      </p:graphicFrame>
-      <p:graphicFrame>
-        <p:nvGraphicFramePr>
           <p:cNvPr id="2" name="Object 1">
             <a:extLst>
               <a:ext uri="{FF2B5EF4-FFF2-40B4-BE49-F238E27FC236}">
@@ -6985,12 +6471,12 @@
           <a:graphicData uri="http://schemas.openxmlformats.org/presentationml/2006/ole">
             <mc:AlternateContent xmlns:mc="http://schemas.openxmlformats.org/markup-compatibility/2006">
               <mc:Choice xmlns:v="urn:schemas-microsoft-com:vml" Requires="v">
-                <p:oleObj name="Equation" r:id="rId6" imgW="6895800" imgH="482400" progId="Equation.DSMT4">
+                <p:oleObj name="Equation" r:id="rId4" imgW="6895800" imgH="482400" progId="Equation.DSMT4">
                   <p:embed/>
                 </p:oleObj>
               </mc:Choice>
               <mc:Fallback>
-                <p:oleObj name="Equation" r:id="rId6" imgW="6895800" imgH="482400" progId="Equation.DSMT4">
+                <p:oleObj name="Equation" r:id="rId4" imgW="6895800" imgH="482400" progId="Equation.DSMT4">
                   <p:embed/>
                   <p:pic>
                     <p:nvPicPr>
@@ -7005,7 +6491,7 @@
                       <p:nvPr/>
                     </p:nvPicPr>
                     <p:blipFill>
-                      <a:blip r:embed="rId7"/>
+                      <a:blip r:embed="rId5"/>
                       <a:stretch>
                         <a:fillRect/>
                       </a:stretch>
@@ -7041,25 +6527,25 @@
           <p:nvPr>
             <p:extLst>
               <p:ext uri="{D42A27DB-BD31-4B8C-83A1-F6EECF244321}">
-                <p14:modId xmlns:p14="http://schemas.microsoft.com/office/powerpoint/2010/main" val="328652350"/>
+                <p14:modId xmlns:p14="http://schemas.microsoft.com/office/powerpoint/2010/main" val="471373406"/>
               </p:ext>
             </p:extLst>
           </p:nvPr>
         </p:nvGraphicFramePr>
         <p:xfrm>
-          <a:off x="877952" y="4062716"/>
-          <a:ext cx="5938128" cy="1706544"/>
+          <a:off x="885825" y="2996952"/>
+          <a:ext cx="5921375" cy="674688"/>
         </p:xfrm>
         <a:graphic>
           <a:graphicData uri="http://schemas.openxmlformats.org/presentationml/2006/ole">
             <mc:AlternateContent xmlns:mc="http://schemas.openxmlformats.org/markup-compatibility/2006">
               <mc:Choice xmlns:v="urn:schemas-microsoft-com:vml" Requires="v">
-                <p:oleObj name="Equation" r:id="rId8" imgW="4241520" imgH="1218960" progId="Equation.DSMT4">
+                <p:oleObj name="Equation" r:id="rId6" imgW="4228920" imgH="482400" progId="Equation.DSMT4">
                   <p:embed/>
                 </p:oleObj>
               </mc:Choice>
               <mc:Fallback>
-                <p:oleObj name="Equation" r:id="rId8" imgW="4241520" imgH="1218960" progId="Equation.DSMT4">
+                <p:oleObj name="Equation" r:id="rId6" imgW="4228920" imgH="482400" progId="Equation.DSMT4">
                   <p:embed/>
                   <p:pic>
                     <p:nvPicPr>
@@ -7074,15 +6560,15 @@
                       <p:nvPr/>
                     </p:nvPicPr>
                     <p:blipFill>
-                      <a:blip r:embed="rId9"/>
+                      <a:blip r:embed="rId7"/>
                       <a:stretch>
                         <a:fillRect/>
                       </a:stretch>
                     </p:blipFill>
                     <p:spPr>
                       <a:xfrm>
-                        <a:off x="877952" y="4062716"/>
-                        <a:ext cx="5938128" cy="1706544"/>
+                        <a:off x="885825" y="2996952"/>
+                        <a:ext cx="5921375" cy="674688"/>
                       </a:xfrm>
                       <a:prstGeom prst="rect">
                         <a:avLst/>
@@ -7123,12 +6609,12 @@
           <a:graphicData uri="http://schemas.openxmlformats.org/presentationml/2006/ole">
             <mc:AlternateContent xmlns:mc="http://schemas.openxmlformats.org/markup-compatibility/2006">
               <mc:Choice xmlns:v="urn:schemas-microsoft-com:vml" Requires="v">
-                <p:oleObj name="Equation" r:id="rId10" imgW="5919258" imgH="1345807" progId="Equation.DSMT4">
+                <p:oleObj name="Equation" r:id="rId8" imgW="5919258" imgH="1345807" progId="Equation.DSMT4">
                   <p:embed/>
                 </p:oleObj>
               </mc:Choice>
               <mc:Fallback>
-                <p:oleObj name="Equation" r:id="rId10" imgW="5919258" imgH="1345807" progId="Equation.DSMT4">
+                <p:oleObj name="Equation" r:id="rId8" imgW="5919258" imgH="1345807" progId="Equation.DSMT4">
                   <p:embed/>
                   <p:pic>
                     <p:nvPicPr>
@@ -7143,7 +6629,7 @@
                       <p:nvPr/>
                     </p:nvPicPr>
                     <p:blipFill>
-                      <a:blip r:embed="rId11"/>
+                      <a:blip r:embed="rId9"/>
                       <a:stretch>
                         <a:fillRect/>
                       </a:stretch>
@@ -7166,10 +6652,10 @@
       </p:graphicFrame>
       <p:sp>
         <p:nvSpPr>
-          <p:cNvPr id="6" name="Content Placeholder 1">
+          <p:cNvPr id="8" name="Content Placeholder 1">
             <a:extLst>
               <a:ext uri="{FF2B5EF4-FFF2-40B4-BE49-F238E27FC236}">
-                <a16:creationId xmlns:a16="http://schemas.microsoft.com/office/drawing/2014/main" id="{4AC9A512-DBDC-4C96-0E86-38FF7ABFF869}"/>
+                <a16:creationId xmlns:a16="http://schemas.microsoft.com/office/drawing/2014/main" id="{0874CEFD-F21D-2D20-B987-E6A52594CB7C}"/>
               </a:ext>
             </a:extLst>
           </p:cNvPr>
@@ -7180,7 +6666,7 @@
         </p:nvSpPr>
         <p:spPr>
           <a:xfrm>
-            <a:off x="586945" y="2425961"/>
+            <a:off x="585972" y="2492673"/>
             <a:ext cx="10972800" cy="324259"/>
           </a:xfrm>
           <a:prstGeom prst="rect">
@@ -7335,7 +6821,15 @@
             </a:pPr>
             <a:r>
               <a:rPr lang="nb-NO" dirty="0" err="1"/>
-              <a:t>Next</a:t>
+              <a:t>Derive</a:t>
+            </a:r>
+            <a:r>
+              <a:rPr lang="nb-NO" dirty="0"/>
+              <a:t> a </a:t>
+            </a:r>
+            <a:r>
+              <a:rPr lang="nb-NO" dirty="0" err="1"/>
+              <a:t>relation</a:t>
             </a:r>
             <a:r>
               <a:rPr lang="nb-NO" dirty="0"/>
@@ -7343,7 +6837,7 @@
             </a:r>
             <a:r>
               <a:rPr lang="nb-NO" dirty="0" err="1"/>
-              <a:t>we</a:t>
+              <a:t>between</a:t>
             </a:r>
             <a:r>
               <a:rPr lang="nb-NO" dirty="0"/>
@@ -7351,7 +6845,47 @@
             </a:r>
             <a:r>
               <a:rPr lang="nb-NO" dirty="0" err="1"/>
-              <a:t>define</a:t>
+              <a:t>the</a:t>
+            </a:r>
+            <a:r>
+              <a:rPr lang="nb-NO" dirty="0"/>
+              <a:t> </a:t>
+            </a:r>
+            <a:r>
+              <a:rPr lang="nb-NO" dirty="0" err="1"/>
+              <a:t>state</a:t>
+            </a:r>
+            <a:r>
+              <a:rPr lang="nb-NO" dirty="0"/>
+              <a:t> </a:t>
+            </a:r>
+            <a:r>
+              <a:rPr lang="nb-NO" dirty="0" err="1"/>
+              <a:t>prediction</a:t>
+            </a:r>
+            <a:r>
+              <a:rPr lang="nb-NO" dirty="0"/>
+              <a:t> </a:t>
+            </a:r>
+            <a:r>
+              <a:rPr lang="nb-NO" dirty="0" err="1"/>
+              <a:t>error</a:t>
+            </a:r>
+            <a:r>
+              <a:rPr lang="nb-NO" dirty="0"/>
+              <a:t> and </a:t>
+            </a:r>
+            <a:r>
+              <a:rPr lang="nb-NO" dirty="0" err="1"/>
+              <a:t>state</a:t>
+            </a:r>
+            <a:r>
+              <a:rPr lang="nb-NO" dirty="0"/>
+              <a:t> filter </a:t>
+            </a:r>
+            <a:r>
+              <a:rPr lang="nb-NO" dirty="0" err="1"/>
+              <a:t>error</a:t>
             </a:r>
             <a:r>
               <a:rPr lang="nb-NO" dirty="0"/>
@@ -7360,12 +6894,81 @@
           </a:p>
         </p:txBody>
       </p:sp>
+      <p:graphicFrame>
+        <p:nvGraphicFramePr>
+          <p:cNvPr id="9" name="Object 8">
+            <a:extLst>
+              <a:ext uri="{FF2B5EF4-FFF2-40B4-BE49-F238E27FC236}">
+                <a16:creationId xmlns:a16="http://schemas.microsoft.com/office/drawing/2014/main" id="{4DEAD699-3AEB-A035-80E6-D6743DD484A6}"/>
+              </a:ext>
+            </a:extLst>
+          </p:cNvPr>
+          <p:cNvGraphicFramePr>
+            <a:graphicFrameLocks noChangeAspect="1"/>
+          </p:cNvGraphicFramePr>
+          <p:nvPr>
+            <p:extLst>
+              <p:ext uri="{D42A27DB-BD31-4B8C-83A1-F6EECF244321}">
+                <p14:modId xmlns:p14="http://schemas.microsoft.com/office/powerpoint/2010/main" val="3868396680"/>
+              </p:ext>
+            </p:extLst>
+          </p:nvPr>
+        </p:nvGraphicFramePr>
+        <p:xfrm>
+          <a:off x="875420" y="4985888"/>
+          <a:ext cx="4088952" cy="675360"/>
+        </p:xfrm>
+        <a:graphic>
+          <a:graphicData uri="http://schemas.openxmlformats.org/presentationml/2006/ole">
+            <mc:AlternateContent xmlns:mc="http://schemas.openxmlformats.org/markup-compatibility/2006">
+              <mc:Choice xmlns:v="urn:schemas-microsoft-com:vml" Requires="v">
+                <p:oleObj name="Equation" r:id="rId10" imgW="2920680" imgH="482400" progId="Equation.DSMT4">
+                  <p:embed/>
+                </p:oleObj>
+              </mc:Choice>
+              <mc:Fallback>
+                <p:oleObj name="Equation" r:id="rId10" imgW="2920680" imgH="482400" progId="Equation.DSMT4">
+                  <p:embed/>
+                  <p:pic>
+                    <p:nvPicPr>
+                      <p:cNvPr id="9" name="Object 8">
+                        <a:extLst>
+                          <a:ext uri="{FF2B5EF4-FFF2-40B4-BE49-F238E27FC236}">
+                            <a16:creationId xmlns:a16="http://schemas.microsoft.com/office/drawing/2014/main" id="{4DEAD699-3AEB-A035-80E6-D6743DD484A6}"/>
+                          </a:ext>
+                        </a:extLst>
+                      </p:cNvPr>
+                      <p:cNvPicPr/>
+                      <p:nvPr/>
+                    </p:nvPicPr>
+                    <p:blipFill>
+                      <a:blip r:embed="rId11"/>
+                      <a:stretch>
+                        <a:fillRect/>
+                      </a:stretch>
+                    </p:blipFill>
+                    <p:spPr>
+                      <a:xfrm>
+                        <a:off x="875420" y="4985888"/>
+                        <a:ext cx="4088952" cy="675360"/>
+                      </a:xfrm>
+                      <a:prstGeom prst="rect">
+                        <a:avLst/>
+                      </a:prstGeom>
+                    </p:spPr>
+                  </p:pic>
+                </p:oleObj>
+              </mc:Fallback>
+            </mc:AlternateContent>
+          </a:graphicData>
+        </a:graphic>
+      </p:graphicFrame>
       <p:sp>
         <p:nvSpPr>
-          <p:cNvPr id="8" name="Content Placeholder 1">
+          <p:cNvPr id="10" name="Content Placeholder 1">
             <a:extLst>
               <a:ext uri="{FF2B5EF4-FFF2-40B4-BE49-F238E27FC236}">
-                <a16:creationId xmlns:a16="http://schemas.microsoft.com/office/drawing/2014/main" id="{0874CEFD-F21D-2D20-B987-E6A52594CB7C}"/>
+                <a16:creationId xmlns:a16="http://schemas.microsoft.com/office/drawing/2014/main" id="{62C719F9-0999-2893-3968-C1564E2C6C13}"/>
               </a:ext>
             </a:extLst>
           </p:cNvPr>
@@ -7376,7 +6979,7 @@
         </p:nvSpPr>
         <p:spPr>
           <a:xfrm>
-            <a:off x="585972" y="3516185"/>
+            <a:off x="577164" y="3880525"/>
             <a:ext cx="10972800" cy="324259"/>
           </a:xfrm>
           <a:prstGeom prst="rect">
@@ -7530,16 +7133,20 @@
               <a:buNone/>
             </a:pPr>
             <a:r>
+              <a:rPr lang="nb-NO" dirty="0"/>
+              <a:t>The </a:t>
+            </a:r>
+            <a:r>
               <a:rPr lang="nb-NO" dirty="0" err="1"/>
-              <a:t>Derive</a:t>
+              <a:t>matrix</a:t>
             </a:r>
             <a:r>
               <a:rPr lang="nb-NO" dirty="0"/>
-              <a:t> a </a:t>
+              <a:t> term in front </a:t>
             </a:r>
             <a:r>
               <a:rPr lang="nb-NO" dirty="0" err="1"/>
-              <a:t>relation</a:t>
+              <a:t>of</a:t>
             </a:r>
             <a:r>
               <a:rPr lang="nb-NO" dirty="0"/>
@@ -7547,7 +7154,44 @@
             </a:r>
             <a:r>
               <a:rPr lang="nb-NO" dirty="0" err="1"/>
-              <a:t>between</a:t>
+              <a:t>the</a:t>
+            </a:r>
+            <a:r>
+              <a:rPr lang="nb-NO" dirty="0"/>
+              <a:t> force </a:t>
+            </a:r>
+            <a:r>
+              <a:rPr lang="nb-NO" dirty="0" err="1"/>
+              <a:t>above</a:t>
+            </a:r>
+            <a:r>
+              <a:rPr lang="nb-NO" dirty="0"/>
+              <a:t> is zero (</a:t>
+            </a:r>
+            <a:r>
+              <a:rPr lang="nb-NO" dirty="0" err="1"/>
+              <a:t>Gillijns</a:t>
+            </a:r>
+            <a:r>
+              <a:rPr lang="nb-NO" dirty="0"/>
+              <a:t>)</a:t>
+            </a:r>
+          </a:p>
+          <a:p>
+            <a:pPr marL="0" indent="0">
+              <a:buFont typeface="Arial"/>
+              <a:buNone/>
+            </a:pPr>
+            <a:endParaRPr lang="nb-NO" dirty="0"/>
+          </a:p>
+          <a:p>
+            <a:pPr marL="0" indent="0">
+              <a:buFont typeface="Arial"/>
+              <a:buNone/>
+            </a:pPr>
+            <a:r>
+              <a:rPr lang="nb-NO" dirty="0" err="1"/>
+              <a:t>We</a:t>
             </a:r>
             <a:r>
               <a:rPr lang="nb-NO" dirty="0"/>
@@ -7555,7 +7199,7 @@
             </a:r>
             <a:r>
               <a:rPr lang="nb-NO" dirty="0" err="1"/>
-              <a:t>the</a:t>
+              <a:t>then</a:t>
             </a:r>
             <a:r>
               <a:rPr lang="nb-NO" dirty="0"/>
@@ -7563,39 +7207,7 @@
             </a:r>
             <a:r>
               <a:rPr lang="nb-NO" dirty="0" err="1"/>
-              <a:t>state</a:t>
-            </a:r>
-            <a:r>
-              <a:rPr lang="nb-NO" dirty="0"/>
-              <a:t> </a:t>
-            </a:r>
-            <a:r>
-              <a:rPr lang="nb-NO" dirty="0" err="1"/>
-              <a:t>prediction</a:t>
-            </a:r>
-            <a:r>
-              <a:rPr lang="nb-NO" dirty="0"/>
-              <a:t> </a:t>
-            </a:r>
-            <a:r>
-              <a:rPr lang="nb-NO" dirty="0" err="1"/>
-              <a:t>error</a:t>
-            </a:r>
-            <a:r>
-              <a:rPr lang="nb-NO" dirty="0"/>
-              <a:t> and </a:t>
-            </a:r>
-            <a:r>
-              <a:rPr lang="nb-NO" dirty="0" err="1"/>
-              <a:t>state</a:t>
-            </a:r>
-            <a:r>
-              <a:rPr lang="nb-NO" dirty="0"/>
-              <a:t> filter </a:t>
-            </a:r>
-            <a:r>
-              <a:rPr lang="nb-NO" dirty="0" err="1"/>
-              <a:t>error</a:t>
+              <a:t>rearrange</a:t>
             </a:r>
             <a:r>
               <a:rPr lang="nb-NO" dirty="0"/>
@@ -7835,25 +7447,25 @@
           <p:nvPr>
             <p:extLst>
               <p:ext uri="{D42A27DB-BD31-4B8C-83A1-F6EECF244321}">
-                <p14:modId xmlns:p14="http://schemas.microsoft.com/office/powerpoint/2010/main" val="64576052"/>
+                <p14:modId xmlns:p14="http://schemas.microsoft.com/office/powerpoint/2010/main" val="3943163539"/>
               </p:ext>
             </p:extLst>
           </p:nvPr>
         </p:nvGraphicFramePr>
         <p:xfrm>
-          <a:off x="881063" y="2492896"/>
-          <a:ext cx="2862262" cy="338138"/>
+          <a:off x="1281113" y="2492375"/>
+          <a:ext cx="2062162" cy="338138"/>
         </p:xfrm>
         <a:graphic>
           <a:graphicData uri="http://schemas.openxmlformats.org/presentationml/2006/ole">
             <mc:AlternateContent xmlns:mc="http://schemas.openxmlformats.org/markup-compatibility/2006">
               <mc:Choice xmlns:v="urn:schemas-microsoft-com:vml" Requires="v">
-                <p:oleObj name="Equation" r:id="rId4" imgW="2044440" imgH="241200" progId="Equation.DSMT4">
+                <p:oleObj name="Equation" r:id="rId4" imgW="1473120" imgH="241200" progId="Equation.DSMT4">
                   <p:embed/>
                 </p:oleObj>
               </mc:Choice>
               <mc:Fallback>
-                <p:oleObj name="Equation" r:id="rId4" imgW="2044440" imgH="241200" progId="Equation.DSMT4">
+                <p:oleObj name="Equation" r:id="rId4" imgW="1473120" imgH="241200" progId="Equation.DSMT4">
                   <p:embed/>
                   <p:pic>
                     <p:nvPicPr>
@@ -7875,8 +7487,8 @@
                     </p:blipFill>
                     <p:spPr>
                       <a:xfrm>
-                        <a:off x="881063" y="2492896"/>
-                        <a:ext cx="2862262" cy="338138"/>
+                        <a:off x="1281113" y="2492375"/>
+                        <a:ext cx="2062162" cy="338138"/>
                       </a:xfrm>
                       <a:prstGeom prst="rect">
                         <a:avLst/>
@@ -7904,13 +7516,13 @@
           <p:nvPr>
             <p:extLst>
               <p:ext uri="{D42A27DB-BD31-4B8C-83A1-F6EECF244321}">
-                <p14:modId xmlns:p14="http://schemas.microsoft.com/office/powerpoint/2010/main" val="2783838838"/>
+                <p14:modId xmlns:p14="http://schemas.microsoft.com/office/powerpoint/2010/main" val="1930622375"/>
               </p:ext>
             </p:extLst>
           </p:nvPr>
         </p:nvGraphicFramePr>
         <p:xfrm>
-          <a:off x="874713" y="3320988"/>
+          <a:off x="874713" y="3420628"/>
           <a:ext cx="1718866" cy="368412"/>
         </p:xfrm>
         <a:graphic>
@@ -7944,7 +7556,7 @@
                     </p:blipFill>
                     <p:spPr>
                       <a:xfrm>
-                        <a:off x="874713" y="3320988"/>
+                        <a:off x="874713" y="3420628"/>
                         <a:ext cx="1718866" cy="368412"/>
                       </a:xfrm>
                       <a:prstGeom prst="rect">
@@ -7973,13 +7585,13 @@
           <p:nvPr>
             <p:extLst>
               <p:ext uri="{D42A27DB-BD31-4B8C-83A1-F6EECF244321}">
-                <p14:modId xmlns:p14="http://schemas.microsoft.com/office/powerpoint/2010/main" val="3068432242"/>
+                <p14:modId xmlns:p14="http://schemas.microsoft.com/office/powerpoint/2010/main" val="3790008632"/>
               </p:ext>
             </p:extLst>
           </p:nvPr>
         </p:nvGraphicFramePr>
         <p:xfrm>
-          <a:off x="881055" y="4226251"/>
+          <a:off x="881055" y="4370044"/>
           <a:ext cx="5529384" cy="391104"/>
         </p:xfrm>
         <a:graphic>
@@ -8013,7 +7625,7 @@
                     </p:blipFill>
                     <p:spPr>
                       <a:xfrm>
-                        <a:off x="881055" y="4226251"/>
+                        <a:off x="881055" y="4370044"/>
                         <a:ext cx="5529384" cy="391104"/>
                       </a:xfrm>
                       <a:prstGeom prst="rect">
@@ -8218,7 +7830,15 @@
             </a:r>
             <a:r>
               <a:rPr lang="nb-NO" dirty="0"/>
-              <a:t>:</a:t>
+              <a:t> (</a:t>
+            </a:r>
+            <a:r>
+              <a:rPr lang="nb-NO" dirty="0" err="1"/>
+              <a:t>Gillijns</a:t>
+            </a:r>
+            <a:r>
+              <a:rPr lang="nb-NO" dirty="0"/>
+              <a:t>):</a:t>
             </a:r>
           </a:p>
         </p:txBody>
@@ -8239,7 +7859,7 @@
         </p:nvSpPr>
         <p:spPr>
           <a:xfrm>
-            <a:off x="587375" y="2880347"/>
+            <a:off x="587375" y="2960725"/>
             <a:ext cx="10972800" cy="324259"/>
           </a:xfrm>
           <a:prstGeom prst="rect">
@@ -8393,12 +8013,40 @@
               <a:buNone/>
             </a:pPr>
             <a:r>
+              <a:rPr lang="nb-NO" dirty="0" err="1"/>
+              <a:t>We</a:t>
+            </a:r>
+            <a:r>
               <a:rPr lang="nb-NO" dirty="0"/>
-              <a:t>to </a:t>
+              <a:t> </a:t>
             </a:r>
             <a:r>
               <a:rPr lang="nb-NO" dirty="0" err="1"/>
               <a:t>find</a:t>
+            </a:r>
+            <a:r>
+              <a:rPr lang="nb-NO" dirty="0"/>
+              <a:t> </a:t>
+            </a:r>
+            <a:r>
+              <a:rPr lang="nb-NO" dirty="0" err="1"/>
+              <a:t>the</a:t>
+            </a:r>
+            <a:r>
+              <a:rPr lang="nb-NO" dirty="0"/>
+              <a:t> first term </a:t>
+            </a:r>
+            <a:r>
+              <a:rPr lang="nb-NO" dirty="0" err="1"/>
+              <a:t>of</a:t>
+            </a:r>
+            <a:r>
+              <a:rPr lang="nb-NO" dirty="0"/>
+              <a:t> </a:t>
+            </a:r>
+            <a:r>
+              <a:rPr lang="nb-NO" dirty="0" err="1"/>
+              <a:t>interest</a:t>
             </a:r>
             <a:r>
               <a:rPr lang="nb-NO" dirty="0"/>
@@ -8423,7 +8071,7 @@
         </p:nvSpPr>
         <p:spPr>
           <a:xfrm>
-            <a:off x="609600" y="3789040"/>
+            <a:off x="587388" y="3896829"/>
             <a:ext cx="10972800" cy="324259"/>
           </a:xfrm>
           <a:prstGeom prst="rect">
@@ -8578,15 +8226,23 @@
             </a:pPr>
             <a:r>
               <a:rPr lang="nb-NO" dirty="0"/>
-              <a:t>Final </a:t>
+              <a:t>And </a:t>
             </a:r>
             <a:r>
               <a:rPr lang="nb-NO" dirty="0" err="1"/>
-              <a:t>result</a:t>
+              <a:t>the</a:t>
             </a:r>
             <a:r>
               <a:rPr lang="nb-NO" dirty="0"/>
-              <a:t>:</a:t>
+              <a:t> </a:t>
+            </a:r>
+            <a:r>
+              <a:rPr lang="nb-NO" dirty="0" err="1"/>
+              <a:t>second</a:t>
+            </a:r>
+            <a:r>
+              <a:rPr lang="nb-NO" dirty="0"/>
+              <a:t> term:</a:t>
             </a:r>
           </a:p>
         </p:txBody>
@@ -9688,18 +9344,18 @@
 </file>
 
 <file path=customXml/item2.xml><?xml version="1.0" encoding="utf-8"?>
+<p:properties xmlns:p="http://schemas.microsoft.com/office/2006/metadata/properties" xmlns:xsi="http://www.w3.org/2001/XMLSchema-instance" xmlns:pc="http://schemas.microsoft.com/office/infopath/2007/PartnerControls">
+  <documentManagement/>
+</p:properties>
+</file>
+
+<file path=customXml/item3.xml><?xml version="1.0" encoding="utf-8"?>
 <?mso-contentType ?>
 <FormTemplates xmlns="http://schemas.microsoft.com/sharepoint/v3/contenttype/forms">
   <Display>DocumentLibraryForm</Display>
   <Edit>DocumentLibraryForm</Edit>
   <New>DocumentLibraryForm</New>
 </FormTemplates>
-</file>
-
-<file path=customXml/item3.xml><?xml version="1.0" encoding="utf-8"?>
-<p:properties xmlns:p="http://schemas.microsoft.com/office/2006/metadata/properties" xmlns:xsi="http://www.w3.org/2001/XMLSchema-instance" xmlns:pc="http://schemas.microsoft.com/office/infopath/2007/PartnerControls">
-  <documentManagement/>
-</p:properties>
 </file>
 
 <file path=customXml/itemProps1.xml><?xml version="1.0" encoding="utf-8"?>
@@ -9722,26 +9378,26 @@
 </file>
 
 <file path=customXml/itemProps2.xml><?xml version="1.0" encoding="utf-8"?>
+<ds:datastoreItem xmlns:ds="http://schemas.openxmlformats.org/officeDocument/2006/customXml" ds:itemID="{EC2C04E8-859A-4A48-8B82-9D65E9A426FA}">
+  <ds:schemaRefs>
+    <ds:schemaRef ds:uri="http://purl.org/dc/terms/"/>
+    <ds:schemaRef ds:uri="http://purl.org/dc/dcmitype/"/>
+    <ds:schemaRef ds:uri="http://schemas.microsoft.com/office/infopath/2007/PartnerControls"/>
+    <ds:schemaRef ds:uri="http://schemas.microsoft.com/office/2006/documentManagement/types"/>
+    <ds:schemaRef ds:uri="http://schemas.microsoft.com/office/2006/metadata/properties"/>
+    <ds:schemaRef ds:uri="http://purl.org/dc/elements/1.1/"/>
+    <ds:schemaRef ds:uri="bb43da5c-49da-475c-8c5c-3244aed61b0c"/>
+    <ds:schemaRef ds:uri="http://schemas.openxmlformats.org/package/2006/metadata/core-properties"/>
+    <ds:schemaRef ds:uri="c946b7e2-cc54-4581-898e-1f5d59eaacce"/>
+    <ds:schemaRef ds:uri="http://www.w3.org/XML/1998/namespace"/>
+  </ds:schemaRefs>
+</ds:datastoreItem>
+</file>
+
+<file path=customXml/itemProps3.xml><?xml version="1.0" encoding="utf-8"?>
 <ds:datastoreItem xmlns:ds="http://schemas.openxmlformats.org/officeDocument/2006/customXml" ds:itemID="{09F3C062-D38F-48CE-91BA-6E0D2C668D03}">
   <ds:schemaRefs>
     <ds:schemaRef ds:uri="http://schemas.microsoft.com/sharepoint/v3/contenttype/forms"/>
   </ds:schemaRefs>
 </ds:datastoreItem>
-</file>
-
-<file path=customXml/itemProps3.xml><?xml version="1.0" encoding="utf-8"?>
-<ds:datastoreItem xmlns:ds="http://schemas.openxmlformats.org/officeDocument/2006/customXml" ds:itemID="{EC2C04E8-859A-4A48-8B82-9D65E9A426FA}">
-  <ds:schemaRefs>
-    <ds:schemaRef ds:uri="http://purl.org/dc/terms/"/>
-    <ds:schemaRef ds:uri="http://schemas.openxmlformats.org/package/2006/metadata/core-properties"/>
-    <ds:schemaRef ds:uri="c946b7e2-cc54-4581-898e-1f5d59eaacce"/>
-    <ds:schemaRef ds:uri="http://schemas.microsoft.com/office/2006/documentManagement/types"/>
-    <ds:schemaRef ds:uri="http://schemas.microsoft.com/office/infopath/2007/PartnerControls"/>
-    <ds:schemaRef ds:uri="http://purl.org/dc/elements/1.1/"/>
-    <ds:schemaRef ds:uri="http://schemas.microsoft.com/office/2006/metadata/properties"/>
-    <ds:schemaRef ds:uri="bb43da5c-49da-475c-8c5c-3244aed61b0c"/>
-    <ds:schemaRef ds:uri="http://www.w3.org/XML/1998/namespace"/>
-    <ds:schemaRef ds:uri="http://purl.org/dc/dcmitype/"/>
-  </ds:schemaRefs>
-</ds:datastoreItem>
 </file>